--- a/Fall 2018 Slides/Week 5/Lab1-5-1-SystemCall.pptx
+++ b/Fall 2018 Slides/Week 5/Lab1-5-1-SystemCall.pptx
@@ -1,33 +1,33 @@
 
 <file path=ppt/presentation.xml><?xml version="1.0" encoding="utf-8"?>
-<p:presentation xmlns:a="http://schemas.openxmlformats.org/drawingml/2006/main" xmlns:r="http://schemas.openxmlformats.org/officeDocument/2006/relationships" xmlns:p="http://schemas.openxmlformats.org/presentationml/2006/main" saveSubsetFonts="1" autoCompressPictures="0">
+<p:presentation xmlns:a="http://schemas.openxmlformats.org/drawingml/2006/main" xmlns:r="http://schemas.openxmlformats.org/officeDocument/2006/relationships" xmlns:p="http://schemas.openxmlformats.org/presentationml/2006/main" autoCompressPictures="0">
   <p:sldMasterIdLst>
     <p:sldMasterId id="2147483648" r:id="rId1"/>
   </p:sldMasterIdLst>
   <p:notesMasterIdLst>
-    <p:notesMasterId r:id="rId22"/>
+    <p:notesMasterId r:id="rId7"/>
   </p:notesMasterIdLst>
   <p:sldIdLst>
-    <p:sldId id="300" r:id="rId2"/>
-    <p:sldId id="302" r:id="rId3"/>
-    <p:sldId id="304" r:id="rId4"/>
-    <p:sldId id="305" r:id="rId5"/>
-    <p:sldId id="306" r:id="rId6"/>
-    <p:sldId id="307" r:id="rId7"/>
-    <p:sldId id="308" r:id="rId8"/>
-    <p:sldId id="327" r:id="rId9"/>
-    <p:sldId id="309" r:id="rId10"/>
-    <p:sldId id="311" r:id="rId11"/>
-    <p:sldId id="312" r:id="rId12"/>
-    <p:sldId id="313" r:id="rId13"/>
-    <p:sldId id="314" r:id="rId14"/>
-    <p:sldId id="315" r:id="rId15"/>
-    <p:sldId id="323" r:id="rId16"/>
-    <p:sldId id="328" r:id="rId17"/>
-    <p:sldId id="329" r:id="rId18"/>
-    <p:sldId id="330" r:id="rId19"/>
-    <p:sldId id="331" r:id="rId20"/>
-    <p:sldId id="332" r:id="rId21"/>
+    <p:sldId id="300" r:id="rId3"/>
+    <p:sldId id="302" r:id="rId4"/>
+    <p:sldId id="304" r:id="rId5"/>
+    <p:sldId id="305" r:id="rId6"/>
+    <p:sldId id="306" r:id="rId8"/>
+    <p:sldId id="307" r:id="rId9"/>
+    <p:sldId id="308" r:id="rId10"/>
+    <p:sldId id="327" r:id="rId11"/>
+    <p:sldId id="309" r:id="rId12"/>
+    <p:sldId id="311" r:id="rId13"/>
+    <p:sldId id="312" r:id="rId14"/>
+    <p:sldId id="313" r:id="rId15"/>
+    <p:sldId id="314" r:id="rId16"/>
+    <p:sldId id="315" r:id="rId17"/>
+    <p:sldId id="323" r:id="rId18"/>
+    <p:sldId id="328" r:id="rId19"/>
+    <p:sldId id="329" r:id="rId20"/>
+    <p:sldId id="330" r:id="rId21"/>
+    <p:sldId id="331" r:id="rId22"/>
+    <p:sldId id="332" r:id="rId23"/>
   </p:sldIdLst>
   <p:sldSz cx="12192000" cy="6858000"/>
   <p:notesSz cx="6858000" cy="9144000"/>
@@ -134,7 +134,6 @@
             <p14:sldId id="300"/>
             <p14:sldId id="302"/>
             <p14:sldId id="304"/>
-            <p14:sldId id="305"/>
             <p14:sldId id="306"/>
             <p14:sldId id="307"/>
             <p14:sldId id="308"/>
@@ -151,12 +150,10 @@
             <p14:sldId id="330"/>
             <p14:sldId id="331"/>
             <p14:sldId id="332"/>
+            <p14:sldId id="305"/>
           </p14:sldIdLst>
         </p14:section>
       </p14:sectionLst>
-    </p:ext>
-    <p:ext uri="{EFAFB233-063F-42B5-8137-9DF3F51BA10A}">
-      <p15:sldGuideLst xmlns:p15="http://schemas.microsoft.com/office/powerpoint/2012/main"/>
     </p:ext>
   </p:extLst>
 </p:presentation>
@@ -244,7 +241,6 @@
           <a:p>
             <a:fld id="{C3E59EE7-3E25-4842-A308-8D34A301A777}" type="datetimeFigureOut">
               <a:rPr lang="en-US" smtClean="0"/>
-              <a:t>10/27/18</a:t>
             </a:fld>
             <a:endParaRPr lang="en-US"/>
           </a:p>
@@ -311,6 +307,7 @@
               <a:rPr lang="en-US"/>
               <a:t>Edit Master text styles</a:t>
             </a:r>
+            <a:endParaRPr lang="en-US"/>
           </a:p>
           <a:p>
             <a:pPr lvl="1"/>
@@ -318,6 +315,7 @@
               <a:rPr lang="en-US"/>
               <a:t>Second level</a:t>
             </a:r>
+            <a:endParaRPr lang="en-US"/>
           </a:p>
           <a:p>
             <a:pPr lvl="2"/>
@@ -325,6 +323,7 @@
               <a:rPr lang="en-US"/>
               <a:t>Third level</a:t>
             </a:r>
+            <a:endParaRPr lang="en-US"/>
           </a:p>
           <a:p>
             <a:pPr lvl="3"/>
@@ -332,6 +331,7 @@
               <a:rPr lang="en-US"/>
               <a:t>Fourth level</a:t>
             </a:r>
+            <a:endParaRPr lang="en-US"/>
           </a:p>
           <a:p>
             <a:pPr lvl="4"/>
@@ -339,6 +339,7 @@
               <a:rPr lang="en-US"/>
               <a:t>Fifth level</a:t>
             </a:r>
+            <a:endParaRPr lang="en-US"/>
           </a:p>
         </p:txBody>
       </p:sp>
@@ -402,18 +403,12 @@
           <a:p>
             <a:fld id="{C1D04458-F08C-A646-BF42-E472534D48E6}" type="slidenum">
               <a:rPr lang="en-US" smtClean="0"/>
-              <a:t>‹#›</a:t>
             </a:fld>
             <a:endParaRPr lang="en-US"/>
           </a:p>
         </p:txBody>
       </p:sp>
     </p:spTree>
-    <p:extLst>
-      <p:ext uri="{BB962C8B-B14F-4D97-AF65-F5344CB8AC3E}">
-        <p14:creationId xmlns:p14="http://schemas.microsoft.com/office/powerpoint/2010/main" val="3367062547"/>
-      </p:ext>
-    </p:extLst>
   </p:cSld>
   <p:clrMap bg1="lt1" tx1="dk1" bg2="lt2" tx2="dk2" accent1="accent1" accent2="accent2" accent3="accent3" accent4="accent4" accent5="accent5" accent6="accent6" hlink="hlink" folHlink="folHlink"/>
   <p:notesStyle>
@@ -569,13 +564,13 @@
               <a:buSzTx/>
               <a:buFontTx/>
               <a:buNone/>
-              <a:tabLst/>
               <a:defRPr/>
             </a:pPr>
             <a:r>
               <a:rPr lang="en-US" dirty="0"/>
               <a:t>integer factorization, discrete logarithm</a:t>
             </a:r>
+            <a:endParaRPr lang="en-US" dirty="0"/>
           </a:p>
         </p:txBody>
       </p:sp>
@@ -596,18 +591,12 @@
           <a:p>
             <a:fld id="{C1D04458-F08C-A646-BF42-E472534D48E6}" type="slidenum">
               <a:rPr lang="en-US" smtClean="0"/>
-              <a:t>4</a:t>
             </a:fld>
             <a:endParaRPr lang="en-US"/>
           </a:p>
         </p:txBody>
       </p:sp>
     </p:spTree>
-    <p:extLst>
-      <p:ext uri="{BB962C8B-B14F-4D97-AF65-F5344CB8AC3E}">
-        <p14:creationId xmlns:p14="http://schemas.microsoft.com/office/powerpoint/2010/main" val="179645762"/>
-      </p:ext>
-    </p:extLst>
   </p:cSld>
   <p:clrMapOvr>
     <a:masterClrMapping/>
@@ -673,13 +662,13 @@
               <a:buSzTx/>
               <a:buFontTx/>
               <a:buNone/>
-              <a:tabLst/>
               <a:defRPr/>
             </a:pPr>
             <a:r>
               <a:rPr lang="en-US" dirty="0"/>
               <a:t>Buffered I/O decreases the number of read/write system calls and the corresponding overhead</a:t>
             </a:r>
+            <a:endParaRPr lang="en-US" dirty="0"/>
           </a:p>
           <a:p>
             <a:endParaRPr lang="en-US" dirty="0"/>
@@ -703,18 +692,12 @@
           <a:p>
             <a:fld id="{C1D04458-F08C-A646-BF42-E472534D48E6}" type="slidenum">
               <a:rPr lang="en-US" smtClean="0"/>
-              <a:t>20</a:t>
             </a:fld>
             <a:endParaRPr lang="en-US"/>
           </a:p>
         </p:txBody>
       </p:sp>
     </p:spTree>
-    <p:extLst>
-      <p:ext uri="{BB962C8B-B14F-4D97-AF65-F5344CB8AC3E}">
-        <p14:creationId xmlns:p14="http://schemas.microsoft.com/office/powerpoint/2010/main" val="3392389187"/>
-      </p:ext>
-    </p:extLst>
   </p:cSld>
   <p:clrMapOvr>
     <a:masterClrMapping/>
@@ -741,13 +724,7 @@
       </p:grpSpPr>
       <p:sp>
         <p:nvSpPr>
-          <p:cNvPr id="2" name="Title 1">
-            <a:extLst>
-              <a:ext uri="{FF2B5EF4-FFF2-40B4-BE49-F238E27FC236}">
-                <a16:creationId xmlns:a16="http://schemas.microsoft.com/office/drawing/2014/main" id="{0EAD1CD1-E192-3C43-9010-B0DEA82A0753}"/>
-              </a:ext>
-            </a:extLst>
-          </p:cNvPr>
+          <p:cNvPr id="2" name="Title 1"/>
           <p:cNvSpPr>
             <a:spLocks noGrp="1"/>
           </p:cNvSpPr>
@@ -773,18 +750,13 @@
               <a:rPr lang="en-US"/>
               <a:t>Click to edit Master title style</a:t>
             </a:r>
-          </a:p>
-        </p:txBody>
-      </p:sp>
-      <p:sp>
-        <p:nvSpPr>
-          <p:cNvPr id="3" name="Subtitle 2">
-            <a:extLst>
-              <a:ext uri="{FF2B5EF4-FFF2-40B4-BE49-F238E27FC236}">
-                <a16:creationId xmlns:a16="http://schemas.microsoft.com/office/drawing/2014/main" id="{2223E5B4-34DF-3241-8436-72362D00463C}"/>
-              </a:ext>
-            </a:extLst>
-          </p:cNvPr>
+            <a:endParaRPr lang="en-US"/>
+          </a:p>
+        </p:txBody>
+      </p:sp>
+      <p:sp>
+        <p:nvSpPr>
+          <p:cNvPr id="3" name="Subtitle 2"/>
           <p:cNvSpPr>
             <a:spLocks noGrp="1"/>
           </p:cNvSpPr>
@@ -843,18 +815,13 @@
               <a:rPr lang="en-US"/>
               <a:t>Click to edit Master subtitle style</a:t>
             </a:r>
-          </a:p>
-        </p:txBody>
-      </p:sp>
-      <p:sp>
-        <p:nvSpPr>
-          <p:cNvPr id="4" name="Date Placeholder 3">
-            <a:extLst>
-              <a:ext uri="{FF2B5EF4-FFF2-40B4-BE49-F238E27FC236}">
-                <a16:creationId xmlns:a16="http://schemas.microsoft.com/office/drawing/2014/main" id="{1C54EAA6-6694-A04B-B34F-16CA7E44E927}"/>
-              </a:ext>
-            </a:extLst>
-          </p:cNvPr>
+            <a:endParaRPr lang="en-US"/>
+          </a:p>
+        </p:txBody>
+      </p:sp>
+      <p:sp>
+        <p:nvSpPr>
+          <p:cNvPr id="4" name="Date Placeholder 3"/>
           <p:cNvSpPr>
             <a:spLocks noGrp="1"/>
           </p:cNvSpPr>
@@ -869,7 +836,6 @@
           <a:p>
             <a:fld id="{960F96EF-9CD3-284A-BFFC-4FB32FB95447}" type="datetimeFigureOut">
               <a:rPr lang="en-US" smtClean="0"/>
-              <a:t>10/27/18</a:t>
             </a:fld>
             <a:endParaRPr lang="en-US"/>
           </a:p>
@@ -877,13 +843,7 @@
       </p:sp>
       <p:sp>
         <p:nvSpPr>
-          <p:cNvPr id="5" name="Footer Placeholder 4">
-            <a:extLst>
-              <a:ext uri="{FF2B5EF4-FFF2-40B4-BE49-F238E27FC236}">
-                <a16:creationId xmlns:a16="http://schemas.microsoft.com/office/drawing/2014/main" id="{69010E8B-C3D4-2F41-A1A8-DCC749D6F668}"/>
-              </a:ext>
-            </a:extLst>
-          </p:cNvPr>
+          <p:cNvPr id="5" name="Footer Placeholder 4"/>
           <p:cNvSpPr>
             <a:spLocks noGrp="1"/>
           </p:cNvSpPr>
@@ -902,13 +862,7 @@
       </p:sp>
       <p:sp>
         <p:nvSpPr>
-          <p:cNvPr id="6" name="Slide Number Placeholder 5">
-            <a:extLst>
-              <a:ext uri="{FF2B5EF4-FFF2-40B4-BE49-F238E27FC236}">
-                <a16:creationId xmlns:a16="http://schemas.microsoft.com/office/drawing/2014/main" id="{2A7F719F-08F9-FB4D-A938-ADC6E7083E0C}"/>
-              </a:ext>
-            </a:extLst>
-          </p:cNvPr>
+          <p:cNvPr id="6" name="Slide Number Placeholder 5"/>
           <p:cNvSpPr>
             <a:spLocks noGrp="1"/>
           </p:cNvSpPr>
@@ -923,18 +877,12 @@
           <a:p>
             <a:fld id="{9152B366-84D5-A240-93F2-FF980123F3CB}" type="slidenum">
               <a:rPr lang="en-US" smtClean="0"/>
-              <a:t>‹#›</a:t>
             </a:fld>
             <a:endParaRPr lang="en-US"/>
           </a:p>
         </p:txBody>
       </p:sp>
     </p:spTree>
-    <p:extLst>
-      <p:ext uri="{BB962C8B-B14F-4D97-AF65-F5344CB8AC3E}">
-        <p14:creationId xmlns:p14="http://schemas.microsoft.com/office/powerpoint/2010/main" val="3501280248"/>
-      </p:ext>
-    </p:extLst>
   </p:cSld>
   <p:clrMapOvr>
     <a:masterClrMapping/>
@@ -961,13 +909,7 @@
       </p:grpSpPr>
       <p:sp>
         <p:nvSpPr>
-          <p:cNvPr id="2" name="Title 1">
-            <a:extLst>
-              <a:ext uri="{FF2B5EF4-FFF2-40B4-BE49-F238E27FC236}">
-                <a16:creationId xmlns:a16="http://schemas.microsoft.com/office/drawing/2014/main" id="{C3A59AEB-6A9E-8F4E-A4E1-D61DF297F659}"/>
-              </a:ext>
-            </a:extLst>
-          </p:cNvPr>
+          <p:cNvPr id="2" name="Title 1"/>
           <p:cNvSpPr>
             <a:spLocks noGrp="1"/>
           </p:cNvSpPr>
@@ -984,18 +926,13 @@
               <a:rPr lang="en-US"/>
               <a:t>Click to edit Master title style</a:t>
             </a:r>
-          </a:p>
-        </p:txBody>
-      </p:sp>
-      <p:sp>
-        <p:nvSpPr>
-          <p:cNvPr id="3" name="Vertical Text Placeholder 2">
-            <a:extLst>
-              <a:ext uri="{FF2B5EF4-FFF2-40B4-BE49-F238E27FC236}">
-                <a16:creationId xmlns:a16="http://schemas.microsoft.com/office/drawing/2014/main" id="{B2E732AA-0A25-4843-9C95-4BC56268C65A}"/>
-              </a:ext>
-            </a:extLst>
-          </p:cNvPr>
+            <a:endParaRPr lang="en-US"/>
+          </a:p>
+        </p:txBody>
+      </p:sp>
+      <p:sp>
+        <p:nvSpPr>
+          <p:cNvPr id="3" name="Vertical Text Placeholder 2"/>
           <p:cNvSpPr>
             <a:spLocks noGrp="1"/>
           </p:cNvSpPr>
@@ -1013,6 +950,7 @@
               <a:rPr lang="en-US"/>
               <a:t>Edit Master text styles</a:t>
             </a:r>
+            <a:endParaRPr lang="en-US"/>
           </a:p>
           <a:p>
             <a:pPr lvl="1"/>
@@ -1020,6 +958,7 @@
               <a:rPr lang="en-US"/>
               <a:t>Second level</a:t>
             </a:r>
+            <a:endParaRPr lang="en-US"/>
           </a:p>
           <a:p>
             <a:pPr lvl="2"/>
@@ -1027,6 +966,7 @@
               <a:rPr lang="en-US"/>
               <a:t>Third level</a:t>
             </a:r>
+            <a:endParaRPr lang="en-US"/>
           </a:p>
           <a:p>
             <a:pPr lvl="3"/>
@@ -1034,6 +974,7 @@
               <a:rPr lang="en-US"/>
               <a:t>Fourth level</a:t>
             </a:r>
+            <a:endParaRPr lang="en-US"/>
           </a:p>
           <a:p>
             <a:pPr lvl="4"/>
@@ -1041,18 +982,13 @@
               <a:rPr lang="en-US"/>
               <a:t>Fifth level</a:t>
             </a:r>
-          </a:p>
-        </p:txBody>
-      </p:sp>
-      <p:sp>
-        <p:nvSpPr>
-          <p:cNvPr id="4" name="Date Placeholder 3">
-            <a:extLst>
-              <a:ext uri="{FF2B5EF4-FFF2-40B4-BE49-F238E27FC236}">
-                <a16:creationId xmlns:a16="http://schemas.microsoft.com/office/drawing/2014/main" id="{B598705F-A0A5-6947-B8AE-56C50C1227D6}"/>
-              </a:ext>
-            </a:extLst>
-          </p:cNvPr>
+            <a:endParaRPr lang="en-US"/>
+          </a:p>
+        </p:txBody>
+      </p:sp>
+      <p:sp>
+        <p:nvSpPr>
+          <p:cNvPr id="4" name="Date Placeholder 3"/>
           <p:cNvSpPr>
             <a:spLocks noGrp="1"/>
           </p:cNvSpPr>
@@ -1067,7 +1003,6 @@
           <a:p>
             <a:fld id="{960F96EF-9CD3-284A-BFFC-4FB32FB95447}" type="datetimeFigureOut">
               <a:rPr lang="en-US" smtClean="0"/>
-              <a:t>10/27/18</a:t>
             </a:fld>
             <a:endParaRPr lang="en-US"/>
           </a:p>
@@ -1075,13 +1010,7 @@
       </p:sp>
       <p:sp>
         <p:nvSpPr>
-          <p:cNvPr id="5" name="Footer Placeholder 4">
-            <a:extLst>
-              <a:ext uri="{FF2B5EF4-FFF2-40B4-BE49-F238E27FC236}">
-                <a16:creationId xmlns:a16="http://schemas.microsoft.com/office/drawing/2014/main" id="{310F428C-0E7D-0B42-B1EB-26BBA08E7DB5}"/>
-              </a:ext>
-            </a:extLst>
-          </p:cNvPr>
+          <p:cNvPr id="5" name="Footer Placeholder 4"/>
           <p:cNvSpPr>
             <a:spLocks noGrp="1"/>
           </p:cNvSpPr>
@@ -1100,13 +1029,7 @@
       </p:sp>
       <p:sp>
         <p:nvSpPr>
-          <p:cNvPr id="6" name="Slide Number Placeholder 5">
-            <a:extLst>
-              <a:ext uri="{FF2B5EF4-FFF2-40B4-BE49-F238E27FC236}">
-                <a16:creationId xmlns:a16="http://schemas.microsoft.com/office/drawing/2014/main" id="{21CE8113-0660-544D-85F1-1EAFAD7FEF00}"/>
-              </a:ext>
-            </a:extLst>
-          </p:cNvPr>
+          <p:cNvPr id="6" name="Slide Number Placeholder 5"/>
           <p:cNvSpPr>
             <a:spLocks noGrp="1"/>
           </p:cNvSpPr>
@@ -1121,18 +1044,12 @@
           <a:p>
             <a:fld id="{9152B366-84D5-A240-93F2-FF980123F3CB}" type="slidenum">
               <a:rPr lang="en-US" smtClean="0"/>
-              <a:t>‹#›</a:t>
             </a:fld>
             <a:endParaRPr lang="en-US"/>
           </a:p>
         </p:txBody>
       </p:sp>
     </p:spTree>
-    <p:extLst>
-      <p:ext uri="{BB962C8B-B14F-4D97-AF65-F5344CB8AC3E}">
-        <p14:creationId xmlns:p14="http://schemas.microsoft.com/office/powerpoint/2010/main" val="367243740"/>
-      </p:ext>
-    </p:extLst>
   </p:cSld>
   <p:clrMapOvr>
     <a:masterClrMapping/>
@@ -1159,13 +1076,7 @@
       </p:grpSpPr>
       <p:sp>
         <p:nvSpPr>
-          <p:cNvPr id="2" name="Vertical Title 1">
-            <a:extLst>
-              <a:ext uri="{FF2B5EF4-FFF2-40B4-BE49-F238E27FC236}">
-                <a16:creationId xmlns:a16="http://schemas.microsoft.com/office/drawing/2014/main" id="{15B305D0-FFA7-8542-BFF2-88006A43EDA0}"/>
-              </a:ext>
-            </a:extLst>
-          </p:cNvPr>
+          <p:cNvPr id="2" name="Vertical Title 1"/>
           <p:cNvSpPr>
             <a:spLocks noGrp="1"/>
           </p:cNvSpPr>
@@ -1187,18 +1098,13 @@
               <a:rPr lang="en-US"/>
               <a:t>Click to edit Master title style</a:t>
             </a:r>
-          </a:p>
-        </p:txBody>
-      </p:sp>
-      <p:sp>
-        <p:nvSpPr>
-          <p:cNvPr id="3" name="Vertical Text Placeholder 2">
-            <a:extLst>
-              <a:ext uri="{FF2B5EF4-FFF2-40B4-BE49-F238E27FC236}">
-                <a16:creationId xmlns:a16="http://schemas.microsoft.com/office/drawing/2014/main" id="{4CDFEFE2-3FFF-0B41-A189-48FBE82A86F2}"/>
-              </a:ext>
-            </a:extLst>
-          </p:cNvPr>
+            <a:endParaRPr lang="en-US"/>
+          </a:p>
+        </p:txBody>
+      </p:sp>
+      <p:sp>
+        <p:nvSpPr>
+          <p:cNvPr id="3" name="Vertical Text Placeholder 2"/>
           <p:cNvSpPr>
             <a:spLocks noGrp="1"/>
           </p:cNvSpPr>
@@ -1221,6 +1127,7 @@
               <a:rPr lang="en-US"/>
               <a:t>Edit Master text styles</a:t>
             </a:r>
+            <a:endParaRPr lang="en-US"/>
           </a:p>
           <a:p>
             <a:pPr lvl="1"/>
@@ -1228,6 +1135,7 @@
               <a:rPr lang="en-US"/>
               <a:t>Second level</a:t>
             </a:r>
+            <a:endParaRPr lang="en-US"/>
           </a:p>
           <a:p>
             <a:pPr lvl="2"/>
@@ -1235,6 +1143,7 @@
               <a:rPr lang="en-US"/>
               <a:t>Third level</a:t>
             </a:r>
+            <a:endParaRPr lang="en-US"/>
           </a:p>
           <a:p>
             <a:pPr lvl="3"/>
@@ -1242,6 +1151,7 @@
               <a:rPr lang="en-US"/>
               <a:t>Fourth level</a:t>
             </a:r>
+            <a:endParaRPr lang="en-US"/>
           </a:p>
           <a:p>
             <a:pPr lvl="4"/>
@@ -1249,18 +1159,13 @@
               <a:rPr lang="en-US"/>
               <a:t>Fifth level</a:t>
             </a:r>
-          </a:p>
-        </p:txBody>
-      </p:sp>
-      <p:sp>
-        <p:nvSpPr>
-          <p:cNvPr id="4" name="Date Placeholder 3">
-            <a:extLst>
-              <a:ext uri="{FF2B5EF4-FFF2-40B4-BE49-F238E27FC236}">
-                <a16:creationId xmlns:a16="http://schemas.microsoft.com/office/drawing/2014/main" id="{0F9840E9-4A4F-6443-9885-869687E16265}"/>
-              </a:ext>
-            </a:extLst>
-          </p:cNvPr>
+            <a:endParaRPr lang="en-US"/>
+          </a:p>
+        </p:txBody>
+      </p:sp>
+      <p:sp>
+        <p:nvSpPr>
+          <p:cNvPr id="4" name="Date Placeholder 3"/>
           <p:cNvSpPr>
             <a:spLocks noGrp="1"/>
           </p:cNvSpPr>
@@ -1275,7 +1180,6 @@
           <a:p>
             <a:fld id="{960F96EF-9CD3-284A-BFFC-4FB32FB95447}" type="datetimeFigureOut">
               <a:rPr lang="en-US" smtClean="0"/>
-              <a:t>10/27/18</a:t>
             </a:fld>
             <a:endParaRPr lang="en-US"/>
           </a:p>
@@ -1283,13 +1187,7 @@
       </p:sp>
       <p:sp>
         <p:nvSpPr>
-          <p:cNvPr id="5" name="Footer Placeholder 4">
-            <a:extLst>
-              <a:ext uri="{FF2B5EF4-FFF2-40B4-BE49-F238E27FC236}">
-                <a16:creationId xmlns:a16="http://schemas.microsoft.com/office/drawing/2014/main" id="{EE3AC0BA-AEAA-3845-A86A-62D299F85E41}"/>
-              </a:ext>
-            </a:extLst>
-          </p:cNvPr>
+          <p:cNvPr id="5" name="Footer Placeholder 4"/>
           <p:cNvSpPr>
             <a:spLocks noGrp="1"/>
           </p:cNvSpPr>
@@ -1308,13 +1206,7 @@
       </p:sp>
       <p:sp>
         <p:nvSpPr>
-          <p:cNvPr id="6" name="Slide Number Placeholder 5">
-            <a:extLst>
-              <a:ext uri="{FF2B5EF4-FFF2-40B4-BE49-F238E27FC236}">
-                <a16:creationId xmlns:a16="http://schemas.microsoft.com/office/drawing/2014/main" id="{4B89643A-2101-9146-A72B-C0087045057A}"/>
-              </a:ext>
-            </a:extLst>
-          </p:cNvPr>
+          <p:cNvPr id="6" name="Slide Number Placeholder 5"/>
           <p:cNvSpPr>
             <a:spLocks noGrp="1"/>
           </p:cNvSpPr>
@@ -1329,18 +1221,12 @@
           <a:p>
             <a:fld id="{9152B366-84D5-A240-93F2-FF980123F3CB}" type="slidenum">
               <a:rPr lang="en-US" smtClean="0"/>
-              <a:t>‹#›</a:t>
             </a:fld>
             <a:endParaRPr lang="en-US"/>
           </a:p>
         </p:txBody>
       </p:sp>
     </p:spTree>
-    <p:extLst>
-      <p:ext uri="{BB962C8B-B14F-4D97-AF65-F5344CB8AC3E}">
-        <p14:creationId xmlns:p14="http://schemas.microsoft.com/office/powerpoint/2010/main" val="662249608"/>
-      </p:ext>
-    </p:extLst>
   </p:cSld>
   <p:clrMapOvr>
     <a:masterClrMapping/>
@@ -1367,13 +1253,7 @@
       </p:grpSpPr>
       <p:sp>
         <p:nvSpPr>
-          <p:cNvPr id="2" name="Title 1">
-            <a:extLst>
-              <a:ext uri="{FF2B5EF4-FFF2-40B4-BE49-F238E27FC236}">
-                <a16:creationId xmlns:a16="http://schemas.microsoft.com/office/drawing/2014/main" id="{DD460F79-6C6F-1041-8A96-6DDA41A7F437}"/>
-              </a:ext>
-            </a:extLst>
-          </p:cNvPr>
+          <p:cNvPr id="2" name="Title 1"/>
           <p:cNvSpPr>
             <a:spLocks noGrp="1"/>
           </p:cNvSpPr>
@@ -1390,18 +1270,13 @@
               <a:rPr lang="en-US"/>
               <a:t>Click to edit Master title style</a:t>
             </a:r>
-          </a:p>
-        </p:txBody>
-      </p:sp>
-      <p:sp>
-        <p:nvSpPr>
-          <p:cNvPr id="3" name="Content Placeholder 2">
-            <a:extLst>
-              <a:ext uri="{FF2B5EF4-FFF2-40B4-BE49-F238E27FC236}">
-                <a16:creationId xmlns:a16="http://schemas.microsoft.com/office/drawing/2014/main" id="{E6EBCFCD-A5D3-124D-80E6-7E7593420A2C}"/>
-              </a:ext>
-            </a:extLst>
-          </p:cNvPr>
+            <a:endParaRPr lang="en-US"/>
+          </a:p>
+        </p:txBody>
+      </p:sp>
+      <p:sp>
+        <p:nvSpPr>
+          <p:cNvPr id="3" name="Content Placeholder 2"/>
           <p:cNvSpPr>
             <a:spLocks noGrp="1"/>
           </p:cNvSpPr>
@@ -1419,6 +1294,7 @@
               <a:rPr lang="en-US"/>
               <a:t>Edit Master text styles</a:t>
             </a:r>
+            <a:endParaRPr lang="en-US"/>
           </a:p>
           <a:p>
             <a:pPr lvl="1"/>
@@ -1426,6 +1302,7 @@
               <a:rPr lang="en-US"/>
               <a:t>Second level</a:t>
             </a:r>
+            <a:endParaRPr lang="en-US"/>
           </a:p>
           <a:p>
             <a:pPr lvl="2"/>
@@ -1433,6 +1310,7 @@
               <a:rPr lang="en-US"/>
               <a:t>Third level</a:t>
             </a:r>
+            <a:endParaRPr lang="en-US"/>
           </a:p>
           <a:p>
             <a:pPr lvl="3"/>
@@ -1440,6 +1318,7 @@
               <a:rPr lang="en-US"/>
               <a:t>Fourth level</a:t>
             </a:r>
+            <a:endParaRPr lang="en-US"/>
           </a:p>
           <a:p>
             <a:pPr lvl="4"/>
@@ -1447,18 +1326,13 @@
               <a:rPr lang="en-US"/>
               <a:t>Fifth level</a:t>
             </a:r>
-          </a:p>
-        </p:txBody>
-      </p:sp>
-      <p:sp>
-        <p:nvSpPr>
-          <p:cNvPr id="4" name="Date Placeholder 3">
-            <a:extLst>
-              <a:ext uri="{FF2B5EF4-FFF2-40B4-BE49-F238E27FC236}">
-                <a16:creationId xmlns:a16="http://schemas.microsoft.com/office/drawing/2014/main" id="{378F4770-ACE9-2C4D-A666-5DD84DF2E9DC}"/>
-              </a:ext>
-            </a:extLst>
-          </p:cNvPr>
+            <a:endParaRPr lang="en-US"/>
+          </a:p>
+        </p:txBody>
+      </p:sp>
+      <p:sp>
+        <p:nvSpPr>
+          <p:cNvPr id="4" name="Date Placeholder 3"/>
           <p:cNvSpPr>
             <a:spLocks noGrp="1"/>
           </p:cNvSpPr>
@@ -1473,7 +1347,6 @@
           <a:p>
             <a:fld id="{960F96EF-9CD3-284A-BFFC-4FB32FB95447}" type="datetimeFigureOut">
               <a:rPr lang="en-US" smtClean="0"/>
-              <a:t>10/27/18</a:t>
             </a:fld>
             <a:endParaRPr lang="en-US"/>
           </a:p>
@@ -1481,13 +1354,7 @@
       </p:sp>
       <p:sp>
         <p:nvSpPr>
-          <p:cNvPr id="5" name="Footer Placeholder 4">
-            <a:extLst>
-              <a:ext uri="{FF2B5EF4-FFF2-40B4-BE49-F238E27FC236}">
-                <a16:creationId xmlns:a16="http://schemas.microsoft.com/office/drawing/2014/main" id="{D12CE935-EFB8-C046-B506-D855AE038C19}"/>
-              </a:ext>
-            </a:extLst>
-          </p:cNvPr>
+          <p:cNvPr id="5" name="Footer Placeholder 4"/>
           <p:cNvSpPr>
             <a:spLocks noGrp="1"/>
           </p:cNvSpPr>
@@ -1506,13 +1373,7 @@
       </p:sp>
       <p:sp>
         <p:nvSpPr>
-          <p:cNvPr id="6" name="Slide Number Placeholder 5">
-            <a:extLst>
-              <a:ext uri="{FF2B5EF4-FFF2-40B4-BE49-F238E27FC236}">
-                <a16:creationId xmlns:a16="http://schemas.microsoft.com/office/drawing/2014/main" id="{B727D89B-5858-CE40-891D-FD3C4C043F88}"/>
-              </a:ext>
-            </a:extLst>
-          </p:cNvPr>
+          <p:cNvPr id="6" name="Slide Number Placeholder 5"/>
           <p:cNvSpPr>
             <a:spLocks noGrp="1"/>
           </p:cNvSpPr>
@@ -1527,18 +1388,12 @@
           <a:p>
             <a:fld id="{9152B366-84D5-A240-93F2-FF980123F3CB}" type="slidenum">
               <a:rPr lang="en-US" smtClean="0"/>
-              <a:t>‹#›</a:t>
             </a:fld>
             <a:endParaRPr lang="en-US"/>
           </a:p>
         </p:txBody>
       </p:sp>
     </p:spTree>
-    <p:extLst>
-      <p:ext uri="{BB962C8B-B14F-4D97-AF65-F5344CB8AC3E}">
-        <p14:creationId xmlns:p14="http://schemas.microsoft.com/office/powerpoint/2010/main" val="2830967834"/>
-      </p:ext>
-    </p:extLst>
   </p:cSld>
   <p:clrMapOvr>
     <a:masterClrMapping/>
@@ -1565,13 +1420,7 @@
       </p:grpSpPr>
       <p:sp>
         <p:nvSpPr>
-          <p:cNvPr id="2" name="Title 1">
-            <a:extLst>
-              <a:ext uri="{FF2B5EF4-FFF2-40B4-BE49-F238E27FC236}">
-                <a16:creationId xmlns:a16="http://schemas.microsoft.com/office/drawing/2014/main" id="{7097E67D-B39B-DA43-9DDA-2CBC38D49E76}"/>
-              </a:ext>
-            </a:extLst>
-          </p:cNvPr>
+          <p:cNvPr id="2" name="Title 1"/>
           <p:cNvSpPr>
             <a:spLocks noGrp="1"/>
           </p:cNvSpPr>
@@ -1597,18 +1446,13 @@
               <a:rPr lang="en-US"/>
               <a:t>Click to edit Master title style</a:t>
             </a:r>
-          </a:p>
-        </p:txBody>
-      </p:sp>
-      <p:sp>
-        <p:nvSpPr>
-          <p:cNvPr id="3" name="Text Placeholder 2">
-            <a:extLst>
-              <a:ext uri="{FF2B5EF4-FFF2-40B4-BE49-F238E27FC236}">
-                <a16:creationId xmlns:a16="http://schemas.microsoft.com/office/drawing/2014/main" id="{A8CB2EC6-677E-EA4C-A153-B356AFBAA654}"/>
-              </a:ext>
-            </a:extLst>
-          </p:cNvPr>
+            <a:endParaRPr lang="en-US"/>
+          </a:p>
+        </p:txBody>
+      </p:sp>
+      <p:sp>
+        <p:nvSpPr>
+          <p:cNvPr id="3" name="Text Placeholder 2"/>
           <p:cNvSpPr>
             <a:spLocks noGrp="1"/>
           </p:cNvSpPr>
@@ -1722,18 +1566,13 @@
               <a:rPr lang="en-US"/>
               <a:t>Edit Master text styles</a:t>
             </a:r>
-          </a:p>
-        </p:txBody>
-      </p:sp>
-      <p:sp>
-        <p:nvSpPr>
-          <p:cNvPr id="4" name="Date Placeholder 3">
-            <a:extLst>
-              <a:ext uri="{FF2B5EF4-FFF2-40B4-BE49-F238E27FC236}">
-                <a16:creationId xmlns:a16="http://schemas.microsoft.com/office/drawing/2014/main" id="{E92748A0-EBD1-3046-AABE-F94DD663A166}"/>
-              </a:ext>
-            </a:extLst>
-          </p:cNvPr>
+            <a:endParaRPr lang="en-US"/>
+          </a:p>
+        </p:txBody>
+      </p:sp>
+      <p:sp>
+        <p:nvSpPr>
+          <p:cNvPr id="4" name="Date Placeholder 3"/>
           <p:cNvSpPr>
             <a:spLocks noGrp="1"/>
           </p:cNvSpPr>
@@ -1748,7 +1587,6 @@
           <a:p>
             <a:fld id="{960F96EF-9CD3-284A-BFFC-4FB32FB95447}" type="datetimeFigureOut">
               <a:rPr lang="en-US" smtClean="0"/>
-              <a:t>10/27/18</a:t>
             </a:fld>
             <a:endParaRPr lang="en-US"/>
           </a:p>
@@ -1756,13 +1594,7 @@
       </p:sp>
       <p:sp>
         <p:nvSpPr>
-          <p:cNvPr id="5" name="Footer Placeholder 4">
-            <a:extLst>
-              <a:ext uri="{FF2B5EF4-FFF2-40B4-BE49-F238E27FC236}">
-                <a16:creationId xmlns:a16="http://schemas.microsoft.com/office/drawing/2014/main" id="{F4037235-CB4A-2948-8CFC-F41CFFCBDE3E}"/>
-              </a:ext>
-            </a:extLst>
-          </p:cNvPr>
+          <p:cNvPr id="5" name="Footer Placeholder 4"/>
           <p:cNvSpPr>
             <a:spLocks noGrp="1"/>
           </p:cNvSpPr>
@@ -1781,13 +1613,7 @@
       </p:sp>
       <p:sp>
         <p:nvSpPr>
-          <p:cNvPr id="6" name="Slide Number Placeholder 5">
-            <a:extLst>
-              <a:ext uri="{FF2B5EF4-FFF2-40B4-BE49-F238E27FC236}">
-                <a16:creationId xmlns:a16="http://schemas.microsoft.com/office/drawing/2014/main" id="{BF577743-2530-5C41-ADDD-70EBB91A5485}"/>
-              </a:ext>
-            </a:extLst>
-          </p:cNvPr>
+          <p:cNvPr id="6" name="Slide Number Placeholder 5"/>
           <p:cNvSpPr>
             <a:spLocks noGrp="1"/>
           </p:cNvSpPr>
@@ -1802,18 +1628,12 @@
           <a:p>
             <a:fld id="{9152B366-84D5-A240-93F2-FF980123F3CB}" type="slidenum">
               <a:rPr lang="en-US" smtClean="0"/>
-              <a:t>‹#›</a:t>
             </a:fld>
             <a:endParaRPr lang="en-US"/>
           </a:p>
         </p:txBody>
       </p:sp>
     </p:spTree>
-    <p:extLst>
-      <p:ext uri="{BB962C8B-B14F-4D97-AF65-F5344CB8AC3E}">
-        <p14:creationId xmlns:p14="http://schemas.microsoft.com/office/powerpoint/2010/main" val="574697490"/>
-      </p:ext>
-    </p:extLst>
   </p:cSld>
   <p:clrMapOvr>
     <a:masterClrMapping/>
@@ -1840,13 +1660,7 @@
       </p:grpSpPr>
       <p:sp>
         <p:nvSpPr>
-          <p:cNvPr id="2" name="Title 1">
-            <a:extLst>
-              <a:ext uri="{FF2B5EF4-FFF2-40B4-BE49-F238E27FC236}">
-                <a16:creationId xmlns:a16="http://schemas.microsoft.com/office/drawing/2014/main" id="{235B42D0-1F3A-F74E-92FE-87275CB39486}"/>
-              </a:ext>
-            </a:extLst>
-          </p:cNvPr>
+          <p:cNvPr id="2" name="Title 1"/>
           <p:cNvSpPr>
             <a:spLocks noGrp="1"/>
           </p:cNvSpPr>
@@ -1863,18 +1677,13 @@
               <a:rPr lang="en-US"/>
               <a:t>Click to edit Master title style</a:t>
             </a:r>
-          </a:p>
-        </p:txBody>
-      </p:sp>
-      <p:sp>
-        <p:nvSpPr>
-          <p:cNvPr id="3" name="Content Placeholder 2">
-            <a:extLst>
-              <a:ext uri="{FF2B5EF4-FFF2-40B4-BE49-F238E27FC236}">
-                <a16:creationId xmlns:a16="http://schemas.microsoft.com/office/drawing/2014/main" id="{E39CDFDC-6E50-3947-9B8D-17A9A7C59BED}"/>
-              </a:ext>
-            </a:extLst>
-          </p:cNvPr>
+            <a:endParaRPr lang="en-US"/>
+          </a:p>
+        </p:txBody>
+      </p:sp>
+      <p:sp>
+        <p:nvSpPr>
+          <p:cNvPr id="3" name="Content Placeholder 2"/>
           <p:cNvSpPr>
             <a:spLocks noGrp="1"/>
           </p:cNvSpPr>
@@ -1897,6 +1706,7 @@
               <a:rPr lang="en-US"/>
               <a:t>Edit Master text styles</a:t>
             </a:r>
+            <a:endParaRPr lang="en-US"/>
           </a:p>
           <a:p>
             <a:pPr lvl="1"/>
@@ -1904,6 +1714,7 @@
               <a:rPr lang="en-US"/>
               <a:t>Second level</a:t>
             </a:r>
+            <a:endParaRPr lang="en-US"/>
           </a:p>
           <a:p>
             <a:pPr lvl="2"/>
@@ -1911,6 +1722,7 @@
               <a:rPr lang="en-US"/>
               <a:t>Third level</a:t>
             </a:r>
+            <a:endParaRPr lang="en-US"/>
           </a:p>
           <a:p>
             <a:pPr lvl="3"/>
@@ -1918,6 +1730,7 @@
               <a:rPr lang="en-US"/>
               <a:t>Fourth level</a:t>
             </a:r>
+            <a:endParaRPr lang="en-US"/>
           </a:p>
           <a:p>
             <a:pPr lvl="4"/>
@@ -1925,18 +1738,13 @@
               <a:rPr lang="en-US"/>
               <a:t>Fifth level</a:t>
             </a:r>
-          </a:p>
-        </p:txBody>
-      </p:sp>
-      <p:sp>
-        <p:nvSpPr>
-          <p:cNvPr id="4" name="Content Placeholder 3">
-            <a:extLst>
-              <a:ext uri="{FF2B5EF4-FFF2-40B4-BE49-F238E27FC236}">
-                <a16:creationId xmlns:a16="http://schemas.microsoft.com/office/drawing/2014/main" id="{47FD3FF4-F607-7B4E-A68F-74159741FD6D}"/>
-              </a:ext>
-            </a:extLst>
-          </p:cNvPr>
+            <a:endParaRPr lang="en-US"/>
+          </a:p>
+        </p:txBody>
+      </p:sp>
+      <p:sp>
+        <p:nvSpPr>
+          <p:cNvPr id="4" name="Content Placeholder 3"/>
           <p:cNvSpPr>
             <a:spLocks noGrp="1"/>
           </p:cNvSpPr>
@@ -1959,6 +1767,7 @@
               <a:rPr lang="en-US"/>
               <a:t>Edit Master text styles</a:t>
             </a:r>
+            <a:endParaRPr lang="en-US"/>
           </a:p>
           <a:p>
             <a:pPr lvl="1"/>
@@ -1966,6 +1775,7 @@
               <a:rPr lang="en-US"/>
               <a:t>Second level</a:t>
             </a:r>
+            <a:endParaRPr lang="en-US"/>
           </a:p>
           <a:p>
             <a:pPr lvl="2"/>
@@ -1973,6 +1783,7 @@
               <a:rPr lang="en-US"/>
               <a:t>Third level</a:t>
             </a:r>
+            <a:endParaRPr lang="en-US"/>
           </a:p>
           <a:p>
             <a:pPr lvl="3"/>
@@ -1980,6 +1791,7 @@
               <a:rPr lang="en-US"/>
               <a:t>Fourth level</a:t>
             </a:r>
+            <a:endParaRPr lang="en-US"/>
           </a:p>
           <a:p>
             <a:pPr lvl="4"/>
@@ -1987,18 +1799,13 @@
               <a:rPr lang="en-US"/>
               <a:t>Fifth level</a:t>
             </a:r>
-          </a:p>
-        </p:txBody>
-      </p:sp>
-      <p:sp>
-        <p:nvSpPr>
-          <p:cNvPr id="5" name="Date Placeholder 4">
-            <a:extLst>
-              <a:ext uri="{FF2B5EF4-FFF2-40B4-BE49-F238E27FC236}">
-                <a16:creationId xmlns:a16="http://schemas.microsoft.com/office/drawing/2014/main" id="{03AC1500-F1CD-8141-B509-512F30F65ECB}"/>
-              </a:ext>
-            </a:extLst>
-          </p:cNvPr>
+            <a:endParaRPr lang="en-US"/>
+          </a:p>
+        </p:txBody>
+      </p:sp>
+      <p:sp>
+        <p:nvSpPr>
+          <p:cNvPr id="5" name="Date Placeholder 4"/>
           <p:cNvSpPr>
             <a:spLocks noGrp="1"/>
           </p:cNvSpPr>
@@ -2013,7 +1820,6 @@
           <a:p>
             <a:fld id="{960F96EF-9CD3-284A-BFFC-4FB32FB95447}" type="datetimeFigureOut">
               <a:rPr lang="en-US" smtClean="0"/>
-              <a:t>10/27/18</a:t>
             </a:fld>
             <a:endParaRPr lang="en-US"/>
           </a:p>
@@ -2021,13 +1827,7 @@
       </p:sp>
       <p:sp>
         <p:nvSpPr>
-          <p:cNvPr id="6" name="Footer Placeholder 5">
-            <a:extLst>
-              <a:ext uri="{FF2B5EF4-FFF2-40B4-BE49-F238E27FC236}">
-                <a16:creationId xmlns:a16="http://schemas.microsoft.com/office/drawing/2014/main" id="{A8CEE977-47C5-164F-8945-EFF814E1CF71}"/>
-              </a:ext>
-            </a:extLst>
-          </p:cNvPr>
+          <p:cNvPr id="6" name="Footer Placeholder 5"/>
           <p:cNvSpPr>
             <a:spLocks noGrp="1"/>
           </p:cNvSpPr>
@@ -2046,13 +1846,7 @@
       </p:sp>
       <p:sp>
         <p:nvSpPr>
-          <p:cNvPr id="7" name="Slide Number Placeholder 6">
-            <a:extLst>
-              <a:ext uri="{FF2B5EF4-FFF2-40B4-BE49-F238E27FC236}">
-                <a16:creationId xmlns:a16="http://schemas.microsoft.com/office/drawing/2014/main" id="{7C8FF97C-7E76-BC47-9531-FEAD7CB7F955}"/>
-              </a:ext>
-            </a:extLst>
-          </p:cNvPr>
+          <p:cNvPr id="7" name="Slide Number Placeholder 6"/>
           <p:cNvSpPr>
             <a:spLocks noGrp="1"/>
           </p:cNvSpPr>
@@ -2067,18 +1861,12 @@
           <a:p>
             <a:fld id="{9152B366-84D5-A240-93F2-FF980123F3CB}" type="slidenum">
               <a:rPr lang="en-US" smtClean="0"/>
-              <a:t>‹#›</a:t>
             </a:fld>
             <a:endParaRPr lang="en-US"/>
           </a:p>
         </p:txBody>
       </p:sp>
     </p:spTree>
-    <p:extLst>
-      <p:ext uri="{BB962C8B-B14F-4D97-AF65-F5344CB8AC3E}">
-        <p14:creationId xmlns:p14="http://schemas.microsoft.com/office/powerpoint/2010/main" val="2469642998"/>
-      </p:ext>
-    </p:extLst>
   </p:cSld>
   <p:clrMapOvr>
     <a:masterClrMapping/>
@@ -2105,13 +1893,7 @@
       </p:grpSpPr>
       <p:sp>
         <p:nvSpPr>
-          <p:cNvPr id="2" name="Title 1">
-            <a:extLst>
-              <a:ext uri="{FF2B5EF4-FFF2-40B4-BE49-F238E27FC236}">
-                <a16:creationId xmlns:a16="http://schemas.microsoft.com/office/drawing/2014/main" id="{F52349EC-1C85-9C4D-A785-D638FD4AF74E}"/>
-              </a:ext>
-            </a:extLst>
-          </p:cNvPr>
+          <p:cNvPr id="2" name="Title 1"/>
           <p:cNvSpPr>
             <a:spLocks noGrp="1"/>
           </p:cNvSpPr>
@@ -2133,18 +1915,13 @@
               <a:rPr lang="en-US"/>
               <a:t>Click to edit Master title style</a:t>
             </a:r>
-          </a:p>
-        </p:txBody>
-      </p:sp>
-      <p:sp>
-        <p:nvSpPr>
-          <p:cNvPr id="3" name="Text Placeholder 2">
-            <a:extLst>
-              <a:ext uri="{FF2B5EF4-FFF2-40B4-BE49-F238E27FC236}">
-                <a16:creationId xmlns:a16="http://schemas.microsoft.com/office/drawing/2014/main" id="{1C4AB308-1AA6-F647-8BCF-DE15FF4F3C9B}"/>
-              </a:ext>
-            </a:extLst>
-          </p:cNvPr>
+            <a:endParaRPr lang="en-US"/>
+          </a:p>
+        </p:txBody>
+      </p:sp>
+      <p:sp>
+        <p:nvSpPr>
+          <p:cNvPr id="3" name="Text Placeholder 2"/>
           <p:cNvSpPr>
             <a:spLocks noGrp="1"/>
           </p:cNvSpPr>
@@ -2204,18 +1981,13 @@
               <a:rPr lang="en-US"/>
               <a:t>Edit Master text styles</a:t>
             </a:r>
-          </a:p>
-        </p:txBody>
-      </p:sp>
-      <p:sp>
-        <p:nvSpPr>
-          <p:cNvPr id="4" name="Content Placeholder 3">
-            <a:extLst>
-              <a:ext uri="{FF2B5EF4-FFF2-40B4-BE49-F238E27FC236}">
-                <a16:creationId xmlns:a16="http://schemas.microsoft.com/office/drawing/2014/main" id="{CA9670AF-0A60-1449-8027-8FED8DE2FC7A}"/>
-              </a:ext>
-            </a:extLst>
-          </p:cNvPr>
+            <a:endParaRPr lang="en-US"/>
+          </a:p>
+        </p:txBody>
+      </p:sp>
+      <p:sp>
+        <p:nvSpPr>
+          <p:cNvPr id="4" name="Content Placeholder 3"/>
           <p:cNvSpPr>
             <a:spLocks noGrp="1"/>
           </p:cNvSpPr>
@@ -2238,6 +2010,7 @@
               <a:rPr lang="en-US"/>
               <a:t>Edit Master text styles</a:t>
             </a:r>
+            <a:endParaRPr lang="en-US"/>
           </a:p>
           <a:p>
             <a:pPr lvl="1"/>
@@ -2245,6 +2018,7 @@
               <a:rPr lang="en-US"/>
               <a:t>Second level</a:t>
             </a:r>
+            <a:endParaRPr lang="en-US"/>
           </a:p>
           <a:p>
             <a:pPr lvl="2"/>
@@ -2252,6 +2026,7 @@
               <a:rPr lang="en-US"/>
               <a:t>Third level</a:t>
             </a:r>
+            <a:endParaRPr lang="en-US"/>
           </a:p>
           <a:p>
             <a:pPr lvl="3"/>
@@ -2259,6 +2034,7 @@
               <a:rPr lang="en-US"/>
               <a:t>Fourth level</a:t>
             </a:r>
+            <a:endParaRPr lang="en-US"/>
           </a:p>
           <a:p>
             <a:pPr lvl="4"/>
@@ -2266,18 +2042,13 @@
               <a:rPr lang="en-US"/>
               <a:t>Fifth level</a:t>
             </a:r>
-          </a:p>
-        </p:txBody>
-      </p:sp>
-      <p:sp>
-        <p:nvSpPr>
-          <p:cNvPr id="5" name="Text Placeholder 4">
-            <a:extLst>
-              <a:ext uri="{FF2B5EF4-FFF2-40B4-BE49-F238E27FC236}">
-                <a16:creationId xmlns:a16="http://schemas.microsoft.com/office/drawing/2014/main" id="{70217BA2-53FB-B648-A14D-A2692DF497E7}"/>
-              </a:ext>
-            </a:extLst>
-          </p:cNvPr>
+            <a:endParaRPr lang="en-US"/>
+          </a:p>
+        </p:txBody>
+      </p:sp>
+      <p:sp>
+        <p:nvSpPr>
+          <p:cNvPr id="5" name="Text Placeholder 4"/>
           <p:cNvSpPr>
             <a:spLocks noGrp="1"/>
           </p:cNvSpPr>
@@ -2337,18 +2108,13 @@
               <a:rPr lang="en-US"/>
               <a:t>Edit Master text styles</a:t>
             </a:r>
-          </a:p>
-        </p:txBody>
-      </p:sp>
-      <p:sp>
-        <p:nvSpPr>
-          <p:cNvPr id="6" name="Content Placeholder 5">
-            <a:extLst>
-              <a:ext uri="{FF2B5EF4-FFF2-40B4-BE49-F238E27FC236}">
-                <a16:creationId xmlns:a16="http://schemas.microsoft.com/office/drawing/2014/main" id="{045885FC-9DB4-6440-8254-214B8C8C02D6}"/>
-              </a:ext>
-            </a:extLst>
-          </p:cNvPr>
+            <a:endParaRPr lang="en-US"/>
+          </a:p>
+        </p:txBody>
+      </p:sp>
+      <p:sp>
+        <p:nvSpPr>
+          <p:cNvPr id="6" name="Content Placeholder 5"/>
           <p:cNvSpPr>
             <a:spLocks noGrp="1"/>
           </p:cNvSpPr>
@@ -2371,6 +2137,7 @@
               <a:rPr lang="en-US"/>
               <a:t>Edit Master text styles</a:t>
             </a:r>
+            <a:endParaRPr lang="en-US"/>
           </a:p>
           <a:p>
             <a:pPr lvl="1"/>
@@ -2378,6 +2145,7 @@
               <a:rPr lang="en-US"/>
               <a:t>Second level</a:t>
             </a:r>
+            <a:endParaRPr lang="en-US"/>
           </a:p>
           <a:p>
             <a:pPr lvl="2"/>
@@ -2385,6 +2153,7 @@
               <a:rPr lang="en-US"/>
               <a:t>Third level</a:t>
             </a:r>
+            <a:endParaRPr lang="en-US"/>
           </a:p>
           <a:p>
             <a:pPr lvl="3"/>
@@ -2392,6 +2161,7 @@
               <a:rPr lang="en-US"/>
               <a:t>Fourth level</a:t>
             </a:r>
+            <a:endParaRPr lang="en-US"/>
           </a:p>
           <a:p>
             <a:pPr lvl="4"/>
@@ -2399,18 +2169,13 @@
               <a:rPr lang="en-US"/>
               <a:t>Fifth level</a:t>
             </a:r>
-          </a:p>
-        </p:txBody>
-      </p:sp>
-      <p:sp>
-        <p:nvSpPr>
-          <p:cNvPr id="7" name="Date Placeholder 6">
-            <a:extLst>
-              <a:ext uri="{FF2B5EF4-FFF2-40B4-BE49-F238E27FC236}">
-                <a16:creationId xmlns:a16="http://schemas.microsoft.com/office/drawing/2014/main" id="{F1E5E77C-AFDD-3B48-8812-B3D8E6D541EE}"/>
-              </a:ext>
-            </a:extLst>
-          </p:cNvPr>
+            <a:endParaRPr lang="en-US"/>
+          </a:p>
+        </p:txBody>
+      </p:sp>
+      <p:sp>
+        <p:nvSpPr>
+          <p:cNvPr id="7" name="Date Placeholder 6"/>
           <p:cNvSpPr>
             <a:spLocks noGrp="1"/>
           </p:cNvSpPr>
@@ -2425,7 +2190,6 @@
           <a:p>
             <a:fld id="{960F96EF-9CD3-284A-BFFC-4FB32FB95447}" type="datetimeFigureOut">
               <a:rPr lang="en-US" smtClean="0"/>
-              <a:t>10/27/18</a:t>
             </a:fld>
             <a:endParaRPr lang="en-US"/>
           </a:p>
@@ -2433,13 +2197,7 @@
       </p:sp>
       <p:sp>
         <p:nvSpPr>
-          <p:cNvPr id="8" name="Footer Placeholder 7">
-            <a:extLst>
-              <a:ext uri="{FF2B5EF4-FFF2-40B4-BE49-F238E27FC236}">
-                <a16:creationId xmlns:a16="http://schemas.microsoft.com/office/drawing/2014/main" id="{B9DF9BA4-1AA0-F74C-8EEB-A6571177EA3A}"/>
-              </a:ext>
-            </a:extLst>
-          </p:cNvPr>
+          <p:cNvPr id="8" name="Footer Placeholder 7"/>
           <p:cNvSpPr>
             <a:spLocks noGrp="1"/>
           </p:cNvSpPr>
@@ -2458,13 +2216,7 @@
       </p:sp>
       <p:sp>
         <p:nvSpPr>
-          <p:cNvPr id="9" name="Slide Number Placeholder 8">
-            <a:extLst>
-              <a:ext uri="{FF2B5EF4-FFF2-40B4-BE49-F238E27FC236}">
-                <a16:creationId xmlns:a16="http://schemas.microsoft.com/office/drawing/2014/main" id="{BB6DC670-3D6C-CE4E-82E0-E2DC52E88353}"/>
-              </a:ext>
-            </a:extLst>
-          </p:cNvPr>
+          <p:cNvPr id="9" name="Slide Number Placeholder 8"/>
           <p:cNvSpPr>
             <a:spLocks noGrp="1"/>
           </p:cNvSpPr>
@@ -2479,18 +2231,12 @@
           <a:p>
             <a:fld id="{9152B366-84D5-A240-93F2-FF980123F3CB}" type="slidenum">
               <a:rPr lang="en-US" smtClean="0"/>
-              <a:t>‹#›</a:t>
             </a:fld>
             <a:endParaRPr lang="en-US"/>
           </a:p>
         </p:txBody>
       </p:sp>
     </p:spTree>
-    <p:extLst>
-      <p:ext uri="{BB962C8B-B14F-4D97-AF65-F5344CB8AC3E}">
-        <p14:creationId xmlns:p14="http://schemas.microsoft.com/office/powerpoint/2010/main" val="791753621"/>
-      </p:ext>
-    </p:extLst>
   </p:cSld>
   <p:clrMapOvr>
     <a:masterClrMapping/>
@@ -2517,13 +2263,7 @@
       </p:grpSpPr>
       <p:sp>
         <p:nvSpPr>
-          <p:cNvPr id="2" name="Title 1">
-            <a:extLst>
-              <a:ext uri="{FF2B5EF4-FFF2-40B4-BE49-F238E27FC236}">
-                <a16:creationId xmlns:a16="http://schemas.microsoft.com/office/drawing/2014/main" id="{9EB4E692-DD09-FA45-9E23-27F701E7081A}"/>
-              </a:ext>
-            </a:extLst>
-          </p:cNvPr>
+          <p:cNvPr id="2" name="Title 1"/>
           <p:cNvSpPr>
             <a:spLocks noGrp="1"/>
           </p:cNvSpPr>
@@ -2540,18 +2280,13 @@
               <a:rPr lang="en-US"/>
               <a:t>Click to edit Master title style</a:t>
             </a:r>
-          </a:p>
-        </p:txBody>
-      </p:sp>
-      <p:sp>
-        <p:nvSpPr>
-          <p:cNvPr id="3" name="Date Placeholder 2">
-            <a:extLst>
-              <a:ext uri="{FF2B5EF4-FFF2-40B4-BE49-F238E27FC236}">
-                <a16:creationId xmlns:a16="http://schemas.microsoft.com/office/drawing/2014/main" id="{2C7BC729-8BB0-9B46-ADF5-8C2BE792DD9F}"/>
-              </a:ext>
-            </a:extLst>
-          </p:cNvPr>
+            <a:endParaRPr lang="en-US"/>
+          </a:p>
+        </p:txBody>
+      </p:sp>
+      <p:sp>
+        <p:nvSpPr>
+          <p:cNvPr id="3" name="Date Placeholder 2"/>
           <p:cNvSpPr>
             <a:spLocks noGrp="1"/>
           </p:cNvSpPr>
@@ -2566,7 +2301,6 @@
           <a:p>
             <a:fld id="{960F96EF-9CD3-284A-BFFC-4FB32FB95447}" type="datetimeFigureOut">
               <a:rPr lang="en-US" smtClean="0"/>
-              <a:t>10/27/18</a:t>
             </a:fld>
             <a:endParaRPr lang="en-US"/>
           </a:p>
@@ -2574,13 +2308,7 @@
       </p:sp>
       <p:sp>
         <p:nvSpPr>
-          <p:cNvPr id="4" name="Footer Placeholder 3">
-            <a:extLst>
-              <a:ext uri="{FF2B5EF4-FFF2-40B4-BE49-F238E27FC236}">
-                <a16:creationId xmlns:a16="http://schemas.microsoft.com/office/drawing/2014/main" id="{F75423A0-DEDC-A841-9B14-C2DE6DCFC96B}"/>
-              </a:ext>
-            </a:extLst>
-          </p:cNvPr>
+          <p:cNvPr id="4" name="Footer Placeholder 3"/>
           <p:cNvSpPr>
             <a:spLocks noGrp="1"/>
           </p:cNvSpPr>
@@ -2599,13 +2327,7 @@
       </p:sp>
       <p:sp>
         <p:nvSpPr>
-          <p:cNvPr id="5" name="Slide Number Placeholder 4">
-            <a:extLst>
-              <a:ext uri="{FF2B5EF4-FFF2-40B4-BE49-F238E27FC236}">
-                <a16:creationId xmlns:a16="http://schemas.microsoft.com/office/drawing/2014/main" id="{092B300C-2456-8E47-8C39-CA0F13EEB2F5}"/>
-              </a:ext>
-            </a:extLst>
-          </p:cNvPr>
+          <p:cNvPr id="5" name="Slide Number Placeholder 4"/>
           <p:cNvSpPr>
             <a:spLocks noGrp="1"/>
           </p:cNvSpPr>
@@ -2620,18 +2342,12 @@
           <a:p>
             <a:fld id="{9152B366-84D5-A240-93F2-FF980123F3CB}" type="slidenum">
               <a:rPr lang="en-US" smtClean="0"/>
-              <a:t>‹#›</a:t>
             </a:fld>
             <a:endParaRPr lang="en-US"/>
           </a:p>
         </p:txBody>
       </p:sp>
     </p:spTree>
-    <p:extLst>
-      <p:ext uri="{BB962C8B-B14F-4D97-AF65-F5344CB8AC3E}">
-        <p14:creationId xmlns:p14="http://schemas.microsoft.com/office/powerpoint/2010/main" val="2329181061"/>
-      </p:ext>
-    </p:extLst>
   </p:cSld>
   <p:clrMapOvr>
     <a:masterClrMapping/>
@@ -2658,13 +2374,7 @@
       </p:grpSpPr>
       <p:sp>
         <p:nvSpPr>
-          <p:cNvPr id="2" name="Date Placeholder 1">
-            <a:extLst>
-              <a:ext uri="{FF2B5EF4-FFF2-40B4-BE49-F238E27FC236}">
-                <a16:creationId xmlns:a16="http://schemas.microsoft.com/office/drawing/2014/main" id="{34656B1D-877A-5E41-A32E-5F4A00516891}"/>
-              </a:ext>
-            </a:extLst>
-          </p:cNvPr>
+          <p:cNvPr id="2" name="Date Placeholder 1"/>
           <p:cNvSpPr>
             <a:spLocks noGrp="1"/>
           </p:cNvSpPr>
@@ -2679,7 +2389,6 @@
           <a:p>
             <a:fld id="{960F96EF-9CD3-284A-BFFC-4FB32FB95447}" type="datetimeFigureOut">
               <a:rPr lang="en-US" smtClean="0"/>
-              <a:t>10/27/18</a:t>
             </a:fld>
             <a:endParaRPr lang="en-US"/>
           </a:p>
@@ -2687,13 +2396,7 @@
       </p:sp>
       <p:sp>
         <p:nvSpPr>
-          <p:cNvPr id="3" name="Footer Placeholder 2">
-            <a:extLst>
-              <a:ext uri="{FF2B5EF4-FFF2-40B4-BE49-F238E27FC236}">
-                <a16:creationId xmlns:a16="http://schemas.microsoft.com/office/drawing/2014/main" id="{D3BD7EC1-DCA6-BA43-B043-1C7ED0DBFF4E}"/>
-              </a:ext>
-            </a:extLst>
-          </p:cNvPr>
+          <p:cNvPr id="3" name="Footer Placeholder 2"/>
           <p:cNvSpPr>
             <a:spLocks noGrp="1"/>
           </p:cNvSpPr>
@@ -2712,13 +2415,7 @@
       </p:sp>
       <p:sp>
         <p:nvSpPr>
-          <p:cNvPr id="4" name="Slide Number Placeholder 3">
-            <a:extLst>
-              <a:ext uri="{FF2B5EF4-FFF2-40B4-BE49-F238E27FC236}">
-                <a16:creationId xmlns:a16="http://schemas.microsoft.com/office/drawing/2014/main" id="{8ACA4492-80F0-BA4D-BF11-BC773630E5AD}"/>
-              </a:ext>
-            </a:extLst>
-          </p:cNvPr>
+          <p:cNvPr id="4" name="Slide Number Placeholder 3"/>
           <p:cNvSpPr>
             <a:spLocks noGrp="1"/>
           </p:cNvSpPr>
@@ -2733,18 +2430,12 @@
           <a:p>
             <a:fld id="{9152B366-84D5-A240-93F2-FF980123F3CB}" type="slidenum">
               <a:rPr lang="en-US" smtClean="0"/>
-              <a:t>‹#›</a:t>
             </a:fld>
             <a:endParaRPr lang="en-US"/>
           </a:p>
         </p:txBody>
       </p:sp>
     </p:spTree>
-    <p:extLst>
-      <p:ext uri="{BB962C8B-B14F-4D97-AF65-F5344CB8AC3E}">
-        <p14:creationId xmlns:p14="http://schemas.microsoft.com/office/powerpoint/2010/main" val="2396538252"/>
-      </p:ext>
-    </p:extLst>
   </p:cSld>
   <p:clrMapOvr>
     <a:masterClrMapping/>
@@ -2771,13 +2462,7 @@
       </p:grpSpPr>
       <p:sp>
         <p:nvSpPr>
-          <p:cNvPr id="2" name="Title 1">
-            <a:extLst>
-              <a:ext uri="{FF2B5EF4-FFF2-40B4-BE49-F238E27FC236}">
-                <a16:creationId xmlns:a16="http://schemas.microsoft.com/office/drawing/2014/main" id="{5E16898C-1917-484A-A145-7A2723C709E7}"/>
-              </a:ext>
-            </a:extLst>
-          </p:cNvPr>
+          <p:cNvPr id="2" name="Title 1"/>
           <p:cNvSpPr>
             <a:spLocks noGrp="1"/>
           </p:cNvSpPr>
@@ -2803,18 +2488,13 @@
               <a:rPr lang="en-US"/>
               <a:t>Click to edit Master title style</a:t>
             </a:r>
-          </a:p>
-        </p:txBody>
-      </p:sp>
-      <p:sp>
-        <p:nvSpPr>
-          <p:cNvPr id="3" name="Content Placeholder 2">
-            <a:extLst>
-              <a:ext uri="{FF2B5EF4-FFF2-40B4-BE49-F238E27FC236}">
-                <a16:creationId xmlns:a16="http://schemas.microsoft.com/office/drawing/2014/main" id="{83601F10-F93F-6143-83C7-E8432CFC21AF}"/>
-              </a:ext>
-            </a:extLst>
-          </p:cNvPr>
+            <a:endParaRPr lang="en-US"/>
+          </a:p>
+        </p:txBody>
+      </p:sp>
+      <p:sp>
+        <p:nvSpPr>
+          <p:cNvPr id="3" name="Content Placeholder 2"/>
           <p:cNvSpPr>
             <a:spLocks noGrp="1"/>
           </p:cNvSpPr>
@@ -2865,6 +2545,7 @@
               <a:rPr lang="en-US"/>
               <a:t>Edit Master text styles</a:t>
             </a:r>
+            <a:endParaRPr lang="en-US"/>
           </a:p>
           <a:p>
             <a:pPr lvl="1"/>
@@ -2872,6 +2553,7 @@
               <a:rPr lang="en-US"/>
               <a:t>Second level</a:t>
             </a:r>
+            <a:endParaRPr lang="en-US"/>
           </a:p>
           <a:p>
             <a:pPr lvl="2"/>
@@ -2879,6 +2561,7 @@
               <a:rPr lang="en-US"/>
               <a:t>Third level</a:t>
             </a:r>
+            <a:endParaRPr lang="en-US"/>
           </a:p>
           <a:p>
             <a:pPr lvl="3"/>
@@ -2886,6 +2569,7 @@
               <a:rPr lang="en-US"/>
               <a:t>Fourth level</a:t>
             </a:r>
+            <a:endParaRPr lang="en-US"/>
           </a:p>
           <a:p>
             <a:pPr lvl="4"/>
@@ -2893,18 +2577,13 @@
               <a:rPr lang="en-US"/>
               <a:t>Fifth level</a:t>
             </a:r>
-          </a:p>
-        </p:txBody>
-      </p:sp>
-      <p:sp>
-        <p:nvSpPr>
-          <p:cNvPr id="4" name="Text Placeholder 3">
-            <a:extLst>
-              <a:ext uri="{FF2B5EF4-FFF2-40B4-BE49-F238E27FC236}">
-                <a16:creationId xmlns:a16="http://schemas.microsoft.com/office/drawing/2014/main" id="{EBB6C701-4D4A-2C43-A773-747D3C994197}"/>
-              </a:ext>
-            </a:extLst>
-          </p:cNvPr>
+            <a:endParaRPr lang="en-US"/>
+          </a:p>
+        </p:txBody>
+      </p:sp>
+      <p:sp>
+        <p:nvSpPr>
+          <p:cNvPr id="4" name="Text Placeholder 3"/>
           <p:cNvSpPr>
             <a:spLocks noGrp="1"/>
           </p:cNvSpPr>
@@ -2964,18 +2643,13 @@
               <a:rPr lang="en-US"/>
               <a:t>Edit Master text styles</a:t>
             </a:r>
-          </a:p>
-        </p:txBody>
-      </p:sp>
-      <p:sp>
-        <p:nvSpPr>
-          <p:cNvPr id="5" name="Date Placeholder 4">
-            <a:extLst>
-              <a:ext uri="{FF2B5EF4-FFF2-40B4-BE49-F238E27FC236}">
-                <a16:creationId xmlns:a16="http://schemas.microsoft.com/office/drawing/2014/main" id="{89BCAA1F-82D9-7542-8F4E-93AA1356BE1F}"/>
-              </a:ext>
-            </a:extLst>
-          </p:cNvPr>
+            <a:endParaRPr lang="en-US"/>
+          </a:p>
+        </p:txBody>
+      </p:sp>
+      <p:sp>
+        <p:nvSpPr>
+          <p:cNvPr id="5" name="Date Placeholder 4"/>
           <p:cNvSpPr>
             <a:spLocks noGrp="1"/>
           </p:cNvSpPr>
@@ -2990,7 +2664,6 @@
           <a:p>
             <a:fld id="{960F96EF-9CD3-284A-BFFC-4FB32FB95447}" type="datetimeFigureOut">
               <a:rPr lang="en-US" smtClean="0"/>
-              <a:t>10/27/18</a:t>
             </a:fld>
             <a:endParaRPr lang="en-US"/>
           </a:p>
@@ -2998,13 +2671,7 @@
       </p:sp>
       <p:sp>
         <p:nvSpPr>
-          <p:cNvPr id="6" name="Footer Placeholder 5">
-            <a:extLst>
-              <a:ext uri="{FF2B5EF4-FFF2-40B4-BE49-F238E27FC236}">
-                <a16:creationId xmlns:a16="http://schemas.microsoft.com/office/drawing/2014/main" id="{EFDBBC00-2489-014C-84C1-A4DC4BB84CF0}"/>
-              </a:ext>
-            </a:extLst>
-          </p:cNvPr>
+          <p:cNvPr id="6" name="Footer Placeholder 5"/>
           <p:cNvSpPr>
             <a:spLocks noGrp="1"/>
           </p:cNvSpPr>
@@ -3023,13 +2690,7 @@
       </p:sp>
       <p:sp>
         <p:nvSpPr>
-          <p:cNvPr id="7" name="Slide Number Placeholder 6">
-            <a:extLst>
-              <a:ext uri="{FF2B5EF4-FFF2-40B4-BE49-F238E27FC236}">
-                <a16:creationId xmlns:a16="http://schemas.microsoft.com/office/drawing/2014/main" id="{D3AFACCF-0ECC-2D4E-B1E9-0F0F46C88592}"/>
-              </a:ext>
-            </a:extLst>
-          </p:cNvPr>
+          <p:cNvPr id="7" name="Slide Number Placeholder 6"/>
           <p:cNvSpPr>
             <a:spLocks noGrp="1"/>
           </p:cNvSpPr>
@@ -3044,18 +2705,12 @@
           <a:p>
             <a:fld id="{9152B366-84D5-A240-93F2-FF980123F3CB}" type="slidenum">
               <a:rPr lang="en-US" smtClean="0"/>
-              <a:t>‹#›</a:t>
             </a:fld>
             <a:endParaRPr lang="en-US"/>
           </a:p>
         </p:txBody>
       </p:sp>
     </p:spTree>
-    <p:extLst>
-      <p:ext uri="{BB962C8B-B14F-4D97-AF65-F5344CB8AC3E}">
-        <p14:creationId xmlns:p14="http://schemas.microsoft.com/office/powerpoint/2010/main" val="1827875789"/>
-      </p:ext>
-    </p:extLst>
   </p:cSld>
   <p:clrMapOvr>
     <a:masterClrMapping/>
@@ -3082,13 +2737,7 @@
       </p:grpSpPr>
       <p:sp>
         <p:nvSpPr>
-          <p:cNvPr id="2" name="Title 1">
-            <a:extLst>
-              <a:ext uri="{FF2B5EF4-FFF2-40B4-BE49-F238E27FC236}">
-                <a16:creationId xmlns:a16="http://schemas.microsoft.com/office/drawing/2014/main" id="{AFBC60E6-6380-1D4E-A048-948DD1012F18}"/>
-              </a:ext>
-            </a:extLst>
-          </p:cNvPr>
+          <p:cNvPr id="2" name="Title 1"/>
           <p:cNvSpPr>
             <a:spLocks noGrp="1"/>
           </p:cNvSpPr>
@@ -3114,18 +2763,13 @@
               <a:rPr lang="en-US"/>
               <a:t>Click to edit Master title style</a:t>
             </a:r>
-          </a:p>
-        </p:txBody>
-      </p:sp>
-      <p:sp>
-        <p:nvSpPr>
-          <p:cNvPr id="3" name="Picture Placeholder 2">
-            <a:extLst>
-              <a:ext uri="{FF2B5EF4-FFF2-40B4-BE49-F238E27FC236}">
-                <a16:creationId xmlns:a16="http://schemas.microsoft.com/office/drawing/2014/main" id="{A1B46882-1052-C442-92E8-BC1182D542B0}"/>
-              </a:ext>
-            </a:extLst>
-          </p:cNvPr>
+            <a:endParaRPr lang="en-US"/>
+          </a:p>
+        </p:txBody>
+      </p:sp>
+      <p:sp>
+        <p:nvSpPr>
+          <p:cNvPr id="3" name="Picture Placeholder 2"/>
           <p:cNvSpPr>
             <a:spLocks noGrp="1"/>
           </p:cNvSpPr>
@@ -3186,13 +2830,7 @@
       </p:sp>
       <p:sp>
         <p:nvSpPr>
-          <p:cNvPr id="4" name="Text Placeholder 3">
-            <a:extLst>
-              <a:ext uri="{FF2B5EF4-FFF2-40B4-BE49-F238E27FC236}">
-                <a16:creationId xmlns:a16="http://schemas.microsoft.com/office/drawing/2014/main" id="{6298E92E-3DC7-A440-88BA-1CBB90BEBC1F}"/>
-              </a:ext>
-            </a:extLst>
-          </p:cNvPr>
+          <p:cNvPr id="4" name="Text Placeholder 3"/>
           <p:cNvSpPr>
             <a:spLocks noGrp="1"/>
           </p:cNvSpPr>
@@ -3252,18 +2890,13 @@
               <a:rPr lang="en-US"/>
               <a:t>Edit Master text styles</a:t>
             </a:r>
-          </a:p>
-        </p:txBody>
-      </p:sp>
-      <p:sp>
-        <p:nvSpPr>
-          <p:cNvPr id="5" name="Date Placeholder 4">
-            <a:extLst>
-              <a:ext uri="{FF2B5EF4-FFF2-40B4-BE49-F238E27FC236}">
-                <a16:creationId xmlns:a16="http://schemas.microsoft.com/office/drawing/2014/main" id="{46D62D14-9300-8F4C-ABD0-E15E62923F40}"/>
-              </a:ext>
-            </a:extLst>
-          </p:cNvPr>
+            <a:endParaRPr lang="en-US"/>
+          </a:p>
+        </p:txBody>
+      </p:sp>
+      <p:sp>
+        <p:nvSpPr>
+          <p:cNvPr id="5" name="Date Placeholder 4"/>
           <p:cNvSpPr>
             <a:spLocks noGrp="1"/>
           </p:cNvSpPr>
@@ -3278,7 +2911,6 @@
           <a:p>
             <a:fld id="{960F96EF-9CD3-284A-BFFC-4FB32FB95447}" type="datetimeFigureOut">
               <a:rPr lang="en-US" smtClean="0"/>
-              <a:t>10/27/18</a:t>
             </a:fld>
             <a:endParaRPr lang="en-US"/>
           </a:p>
@@ -3286,13 +2918,7 @@
       </p:sp>
       <p:sp>
         <p:nvSpPr>
-          <p:cNvPr id="6" name="Footer Placeholder 5">
-            <a:extLst>
-              <a:ext uri="{FF2B5EF4-FFF2-40B4-BE49-F238E27FC236}">
-                <a16:creationId xmlns:a16="http://schemas.microsoft.com/office/drawing/2014/main" id="{19B3C632-8CE2-E64E-ABEB-A6A8A3B485B5}"/>
-              </a:ext>
-            </a:extLst>
-          </p:cNvPr>
+          <p:cNvPr id="6" name="Footer Placeholder 5"/>
           <p:cNvSpPr>
             <a:spLocks noGrp="1"/>
           </p:cNvSpPr>
@@ -3311,13 +2937,7 @@
       </p:sp>
       <p:sp>
         <p:nvSpPr>
-          <p:cNvPr id="7" name="Slide Number Placeholder 6">
-            <a:extLst>
-              <a:ext uri="{FF2B5EF4-FFF2-40B4-BE49-F238E27FC236}">
-                <a16:creationId xmlns:a16="http://schemas.microsoft.com/office/drawing/2014/main" id="{C90AAD17-BDF7-0F41-ADFA-FF0885F630C7}"/>
-              </a:ext>
-            </a:extLst>
-          </p:cNvPr>
+          <p:cNvPr id="7" name="Slide Number Placeholder 6"/>
           <p:cNvSpPr>
             <a:spLocks noGrp="1"/>
           </p:cNvSpPr>
@@ -3332,18 +2952,12 @@
           <a:p>
             <a:fld id="{9152B366-84D5-A240-93F2-FF980123F3CB}" type="slidenum">
               <a:rPr lang="en-US" smtClean="0"/>
-              <a:t>‹#›</a:t>
             </a:fld>
             <a:endParaRPr lang="en-US"/>
           </a:p>
         </p:txBody>
       </p:sp>
     </p:spTree>
-    <p:extLst>
-      <p:ext uri="{BB962C8B-B14F-4D97-AF65-F5344CB8AC3E}">
-        <p14:creationId xmlns:p14="http://schemas.microsoft.com/office/powerpoint/2010/main" val="2673262348"/>
-      </p:ext>
-    </p:extLst>
   </p:cSld>
   <p:clrMapOvr>
     <a:masterClrMapping/>
@@ -3375,13 +2989,7 @@
       </p:grpSpPr>
       <p:sp>
         <p:nvSpPr>
-          <p:cNvPr id="2" name="Title Placeholder 1">
-            <a:extLst>
-              <a:ext uri="{FF2B5EF4-FFF2-40B4-BE49-F238E27FC236}">
-                <a16:creationId xmlns:a16="http://schemas.microsoft.com/office/drawing/2014/main" id="{5FB05DDA-2131-4948-933C-499BDE9ADC76}"/>
-              </a:ext>
-            </a:extLst>
-          </p:cNvPr>
+          <p:cNvPr id="2" name="Title Placeholder 1"/>
           <p:cNvSpPr>
             <a:spLocks noGrp="1"/>
           </p:cNvSpPr>
@@ -3408,18 +3016,13 @@
               <a:rPr lang="en-US"/>
               <a:t>Click to edit Master title style</a:t>
             </a:r>
-          </a:p>
-        </p:txBody>
-      </p:sp>
-      <p:sp>
-        <p:nvSpPr>
-          <p:cNvPr id="3" name="Text Placeholder 2">
-            <a:extLst>
-              <a:ext uri="{FF2B5EF4-FFF2-40B4-BE49-F238E27FC236}">
-                <a16:creationId xmlns:a16="http://schemas.microsoft.com/office/drawing/2014/main" id="{1D7A3671-249B-2A40-8898-2D3CCAA03B64}"/>
-              </a:ext>
-            </a:extLst>
-          </p:cNvPr>
+            <a:endParaRPr lang="en-US"/>
+          </a:p>
+        </p:txBody>
+      </p:sp>
+      <p:sp>
+        <p:nvSpPr>
+          <p:cNvPr id="3" name="Text Placeholder 2"/>
           <p:cNvSpPr>
             <a:spLocks noGrp="1"/>
           </p:cNvSpPr>
@@ -3447,6 +3050,7 @@
               <a:rPr lang="en-US"/>
               <a:t>Edit Master text styles</a:t>
             </a:r>
+            <a:endParaRPr lang="en-US"/>
           </a:p>
           <a:p>
             <a:pPr lvl="1"/>
@@ -3454,6 +3058,7 @@
               <a:rPr lang="en-US"/>
               <a:t>Second level</a:t>
             </a:r>
+            <a:endParaRPr lang="en-US"/>
           </a:p>
           <a:p>
             <a:pPr lvl="2"/>
@@ -3461,6 +3066,7 @@
               <a:rPr lang="en-US"/>
               <a:t>Third level</a:t>
             </a:r>
+            <a:endParaRPr lang="en-US"/>
           </a:p>
           <a:p>
             <a:pPr lvl="3"/>
@@ -3468,6 +3074,7 @@
               <a:rPr lang="en-US"/>
               <a:t>Fourth level</a:t>
             </a:r>
+            <a:endParaRPr lang="en-US"/>
           </a:p>
           <a:p>
             <a:pPr lvl="4"/>
@@ -3475,18 +3082,13 @@
               <a:rPr lang="en-US"/>
               <a:t>Fifth level</a:t>
             </a:r>
-          </a:p>
-        </p:txBody>
-      </p:sp>
-      <p:sp>
-        <p:nvSpPr>
-          <p:cNvPr id="4" name="Date Placeholder 3">
-            <a:extLst>
-              <a:ext uri="{FF2B5EF4-FFF2-40B4-BE49-F238E27FC236}">
-                <a16:creationId xmlns:a16="http://schemas.microsoft.com/office/drawing/2014/main" id="{434AA226-1B1E-D242-944E-69F40704D2CA}"/>
-              </a:ext>
-            </a:extLst>
-          </p:cNvPr>
+            <a:endParaRPr lang="en-US"/>
+          </a:p>
+        </p:txBody>
+      </p:sp>
+      <p:sp>
+        <p:nvSpPr>
+          <p:cNvPr id="4" name="Date Placeholder 3"/>
           <p:cNvSpPr>
             <a:spLocks noGrp="1"/>
           </p:cNvSpPr>
@@ -3519,7 +3121,6 @@
           <a:p>
             <a:fld id="{960F96EF-9CD3-284A-BFFC-4FB32FB95447}" type="datetimeFigureOut">
               <a:rPr lang="en-US" smtClean="0"/>
-              <a:t>10/27/18</a:t>
             </a:fld>
             <a:endParaRPr lang="en-US"/>
           </a:p>
@@ -3527,13 +3128,7 @@
       </p:sp>
       <p:sp>
         <p:nvSpPr>
-          <p:cNvPr id="5" name="Footer Placeholder 4">
-            <a:extLst>
-              <a:ext uri="{FF2B5EF4-FFF2-40B4-BE49-F238E27FC236}">
-                <a16:creationId xmlns:a16="http://schemas.microsoft.com/office/drawing/2014/main" id="{A6981B7A-0403-6C42-8488-EF86FFF6065D}"/>
-              </a:ext>
-            </a:extLst>
-          </p:cNvPr>
+          <p:cNvPr id="5" name="Footer Placeholder 4"/>
           <p:cNvSpPr>
             <a:spLocks noGrp="1"/>
           </p:cNvSpPr>
@@ -3570,13 +3165,7 @@
       </p:sp>
       <p:sp>
         <p:nvSpPr>
-          <p:cNvPr id="6" name="Slide Number Placeholder 5">
-            <a:extLst>
-              <a:ext uri="{FF2B5EF4-FFF2-40B4-BE49-F238E27FC236}">
-                <a16:creationId xmlns:a16="http://schemas.microsoft.com/office/drawing/2014/main" id="{A0ED0F53-B88A-914D-B0E5-51C3E148286F}"/>
-              </a:ext>
-            </a:extLst>
-          </p:cNvPr>
+          <p:cNvPr id="6" name="Slide Number Placeholder 5"/>
           <p:cNvSpPr>
             <a:spLocks noGrp="1"/>
           </p:cNvSpPr>
@@ -3609,18 +3198,12 @@
           <a:p>
             <a:fld id="{9152B366-84D5-A240-93F2-FF980123F3CB}" type="slidenum">
               <a:rPr lang="en-US" smtClean="0"/>
-              <a:t>‹#›</a:t>
             </a:fld>
             <a:endParaRPr lang="en-US"/>
           </a:p>
         </p:txBody>
       </p:sp>
     </p:spTree>
-    <p:extLst>
-      <p:ext uri="{BB962C8B-B14F-4D97-AF65-F5344CB8AC3E}">
-        <p14:creationId xmlns:p14="http://schemas.microsoft.com/office/powerpoint/2010/main" val="4112652780"/>
-      </p:ext>
-    </p:extLst>
   </p:cSld>
   <p:clrMap bg1="lt1" tx1="dk1" bg2="lt2" tx2="dk2" accent1="accent1" accent2="accent2" accent3="accent3" accent4="accent4" accent5="accent5" accent6="accent6" hlink="hlink" folHlink="folHlink"/>
   <p:sldLayoutIdLst>
@@ -3938,13 +3521,7 @@
       </p:grpSpPr>
       <p:sp>
         <p:nvSpPr>
-          <p:cNvPr id="2" name="Title 1">
-            <a:extLst>
-              <a:ext uri="{FF2B5EF4-FFF2-40B4-BE49-F238E27FC236}">
-                <a16:creationId xmlns:a16="http://schemas.microsoft.com/office/drawing/2014/main" id="{5D3E42B6-FC2B-AA42-830D-90F5A0EDBBEE}"/>
-              </a:ext>
-            </a:extLst>
-          </p:cNvPr>
+          <p:cNvPr id="2" name="Title 1"/>
           <p:cNvSpPr>
             <a:spLocks noGrp="1"/>
           </p:cNvSpPr>
@@ -3985,13 +3562,7 @@
       </p:sp>
       <p:sp>
         <p:nvSpPr>
-          <p:cNvPr id="3" name="Subtitle 2">
-            <a:extLst>
-              <a:ext uri="{FF2B5EF4-FFF2-40B4-BE49-F238E27FC236}">
-                <a16:creationId xmlns:a16="http://schemas.microsoft.com/office/drawing/2014/main" id="{A8F111E3-B1F0-BE46-B3DA-ADB3DB771A65}"/>
-              </a:ext>
-            </a:extLst>
-          </p:cNvPr>
+          <p:cNvPr id="3" name="Subtitle 2"/>
           <p:cNvSpPr>
             <a:spLocks noGrp="1"/>
           </p:cNvSpPr>
@@ -4017,49 +3588,52 @@
             </a:r>
             <a:r>
               <a:rPr lang="en-US" dirty="0">
+                <a:hlinkClick r:id="rId1"/>
+              </a:rPr>
+              <a:t>https://web.cs.ucla.edu/classes/fall18/cs35L/index.html</a:t>
+            </a:r>
+            <a:r>
+              <a:rPr lang="en-US" dirty="0"/>
+              <a:t> </a:t>
+            </a:r>
+            <a:endParaRPr lang="en-US" dirty="0"/>
+          </a:p>
+          <a:p>
+            <a:r>
+              <a:rPr lang="en-US" dirty="0"/>
+              <a:t>TA: Zhiyi Zhang</a:t>
+            </a:r>
+            <a:endParaRPr lang="en-US" dirty="0"/>
+          </a:p>
+          <a:p>
+            <a:r>
+              <a:rPr lang="en-US" dirty="0"/>
+              <a:t>Email: </a:t>
+            </a:r>
+            <a:r>
+              <a:rPr lang="en-US" dirty="0">
                 <a:hlinkClick r:id="rId2"/>
               </a:rPr>
-              <a:t>https://web.cs.ucla.edu/classes/fall18/cs35L/index.html</a:t>
-            </a:r>
-            <a:r>
-              <a:rPr lang="en-US" dirty="0"/>
-              <a:t> </a:t>
-            </a:r>
-          </a:p>
-          <a:p>
-            <a:r>
-              <a:rPr lang="en-US" dirty="0"/>
-              <a:t>TA: Zhiyi Zhang</a:t>
-            </a:r>
-          </a:p>
-          <a:p>
-            <a:r>
-              <a:rPr lang="en-US" dirty="0"/>
-              <a:t>Email: </a:t>
+              <a:t>zhiyi@cs.ucla.edu</a:t>
+            </a:r>
+            <a:endParaRPr lang="en-US" dirty="0"/>
+          </a:p>
+          <a:p>
+            <a:r>
+              <a:rPr lang="en-US" dirty="0"/>
+              <a:t>Webpage: </a:t>
             </a:r>
             <a:r>
               <a:rPr lang="en-US" dirty="0">
                 <a:hlinkClick r:id="rId3"/>
               </a:rPr>
-              <a:t>zhiyi@cs.ucla.edu</a:t>
-            </a:r>
-            <a:endParaRPr lang="en-US" dirty="0"/>
-          </a:p>
-          <a:p>
-            <a:r>
-              <a:rPr lang="en-US" dirty="0"/>
-              <a:t>Webpage: </a:t>
-            </a:r>
-            <a:r>
-              <a:rPr lang="en-US" dirty="0">
-                <a:hlinkClick r:id="rId4"/>
-              </a:rPr>
               <a:t>https://zhiyi-zhang.com</a:t>
             </a:r>
             <a:r>
               <a:rPr lang="en-US" dirty="0"/>
               <a:t>  </a:t>
             </a:r>
+            <a:endParaRPr lang="en-US" dirty="0"/>
           </a:p>
           <a:p>
             <a:endParaRPr lang="en-US" dirty="0"/>
@@ -4067,11 +3641,6 @@
         </p:txBody>
       </p:sp>
     </p:spTree>
-    <p:extLst>
-      <p:ext uri="{BB962C8B-B14F-4D97-AF65-F5344CB8AC3E}">
-        <p14:creationId xmlns:p14="http://schemas.microsoft.com/office/powerpoint/2010/main" val="3746954743"/>
-      </p:ext>
-    </p:extLst>
   </p:cSld>
   <p:clrMapOvr>
     <a:masterClrMapping/>
@@ -4098,13 +3667,7 @@
       </p:grpSpPr>
       <p:sp>
         <p:nvSpPr>
-          <p:cNvPr id="2" name="Title 1">
-            <a:extLst>
-              <a:ext uri="{FF2B5EF4-FFF2-40B4-BE49-F238E27FC236}">
-                <a16:creationId xmlns:a16="http://schemas.microsoft.com/office/drawing/2014/main" id="{2AEFCEA2-EB97-F041-A1B4-BA53C52B6339}"/>
-              </a:ext>
-            </a:extLst>
-          </p:cNvPr>
+          <p:cNvPr id="2" name="Title 1"/>
           <p:cNvSpPr>
             <a:spLocks noGrp="1"/>
           </p:cNvSpPr>
@@ -4121,18 +3684,13 @@
               <a:rPr lang="en-US" dirty="0"/>
               <a:t>System Calls</a:t>
             </a:r>
-          </a:p>
-        </p:txBody>
-      </p:sp>
-      <p:sp>
-        <p:nvSpPr>
-          <p:cNvPr id="3" name="Content Placeholder 2">
-            <a:extLst>
-              <a:ext uri="{FF2B5EF4-FFF2-40B4-BE49-F238E27FC236}">
-                <a16:creationId xmlns:a16="http://schemas.microsoft.com/office/drawing/2014/main" id="{CFC1E9AD-539A-8F49-9388-7DB80B3D1658}"/>
-              </a:ext>
-            </a:extLst>
-          </p:cNvPr>
+            <a:endParaRPr lang="en-US" dirty="0"/>
+          </a:p>
+        </p:txBody>
+      </p:sp>
+      <p:sp>
+        <p:nvSpPr>
+          <p:cNvPr id="3" name="Content Placeholder 2"/>
           <p:cNvSpPr>
             <a:spLocks noGrp="1"/>
           </p:cNvSpPr>
@@ -4159,36 +3717,42 @@
               <a:rPr lang="en-US" dirty="0"/>
               <a:t>Special type of function that:</a:t>
             </a:r>
+            <a:endParaRPr lang="en-US" dirty="0"/>
           </a:p>
           <a:p>
             <a:r>
               <a:rPr lang="en-US" dirty="0"/>
               <a:t>Used by user-level processes to request a service from the kernel</a:t>
             </a:r>
+            <a:endParaRPr lang="en-US" dirty="0"/>
           </a:p>
           <a:p>
             <a:r>
               <a:rPr lang="en-US" dirty="0"/>
               <a:t>Changes the CPU’s mode from user mode to kernel mode to enable more capabilities</a:t>
             </a:r>
+            <a:endParaRPr lang="en-US" dirty="0"/>
           </a:p>
           <a:p>
             <a:r>
               <a:rPr lang="en-US" dirty="0"/>
               <a:t>Is part of the kernel of the OS</a:t>
             </a:r>
+            <a:endParaRPr lang="en-US" dirty="0"/>
           </a:p>
           <a:p>
             <a:r>
               <a:rPr lang="en-US" dirty="0"/>
               <a:t>Verifies that the user should be allowed to do the requested action and then does the action (kernel performs the operation on behalf of the user)</a:t>
             </a:r>
+            <a:endParaRPr lang="en-US" dirty="0"/>
           </a:p>
           <a:p>
             <a:r>
               <a:rPr lang="en-US" dirty="0"/>
               <a:t>Is the only way a user program can perform privileged operations</a:t>
             </a:r>
+            <a:endParaRPr lang="en-US" dirty="0"/>
           </a:p>
           <a:p>
             <a:pPr marL="0" indent="0">
@@ -4199,11 +3763,6 @@
         </p:txBody>
       </p:sp>
     </p:spTree>
-    <p:extLst>
-      <p:ext uri="{BB962C8B-B14F-4D97-AF65-F5344CB8AC3E}">
-        <p14:creationId xmlns:p14="http://schemas.microsoft.com/office/powerpoint/2010/main" val="3345967472"/>
-      </p:ext>
-    </p:extLst>
   </p:cSld>
   <p:clrMapOvr>
     <a:masterClrMapping/>
@@ -4230,13 +3789,7 @@
       </p:grpSpPr>
       <p:sp>
         <p:nvSpPr>
-          <p:cNvPr id="2" name="Title 1">
-            <a:extLst>
-              <a:ext uri="{FF2B5EF4-FFF2-40B4-BE49-F238E27FC236}">
-                <a16:creationId xmlns:a16="http://schemas.microsoft.com/office/drawing/2014/main" id="{92C05354-1811-154E-A366-CE8C9426E864}"/>
-              </a:ext>
-            </a:extLst>
-          </p:cNvPr>
+          <p:cNvPr id="2" name="Title 1"/>
           <p:cNvSpPr>
             <a:spLocks noGrp="1"/>
           </p:cNvSpPr>
@@ -4258,18 +3811,13 @@
               <a:rPr lang="en-US" dirty="0"/>
               <a:t>When System Calls Are Made</a:t>
             </a:r>
-          </a:p>
-        </p:txBody>
-      </p:sp>
-      <p:sp>
-        <p:nvSpPr>
-          <p:cNvPr id="3" name="Content Placeholder 2">
-            <a:extLst>
-              <a:ext uri="{FF2B5EF4-FFF2-40B4-BE49-F238E27FC236}">
-                <a16:creationId xmlns:a16="http://schemas.microsoft.com/office/drawing/2014/main" id="{3E419992-2C38-8A47-A8C2-60F4A2B38670}"/>
-              </a:ext>
-            </a:extLst>
-          </p:cNvPr>
+            <a:endParaRPr lang="en-US" dirty="0"/>
+          </a:p>
+        </p:txBody>
+      </p:sp>
+      <p:sp>
+        <p:nvSpPr>
+          <p:cNvPr id="3" name="Content Placeholder 2"/>
           <p:cNvSpPr>
             <a:spLocks noGrp="1"/>
           </p:cNvSpPr>
@@ -4286,12 +3834,14 @@
               <a:rPr lang="en-US" dirty="0"/>
               <a:t>When a system call is made, the program being executed is interrupted and control is passed to the kernel</a:t>
             </a:r>
+            <a:endParaRPr lang="en-US" dirty="0"/>
           </a:p>
           <a:p>
             <a:r>
               <a:rPr lang="en-US" dirty="0"/>
               <a:t>If operation is valid, the kernel performs it</a:t>
             </a:r>
+            <a:endParaRPr lang="en-US" dirty="0"/>
           </a:p>
           <a:p>
             <a:endParaRPr lang="en-US" dirty="0"/>
@@ -4300,20 +3850,14 @@
       </p:sp>
       <p:pic>
         <p:nvPicPr>
-          <p:cNvPr id="4" name="Picture 3">
-            <a:extLst>
-              <a:ext uri="{FF2B5EF4-FFF2-40B4-BE49-F238E27FC236}">
-                <a16:creationId xmlns:a16="http://schemas.microsoft.com/office/drawing/2014/main" id="{01AFCF9B-0B0C-1343-A675-A308C1F9FB56}"/>
-              </a:ext>
-            </a:extLst>
-          </p:cNvPr>
+          <p:cNvPr id="4" name="Picture 3"/>
           <p:cNvPicPr>
             <a:picLocks noChangeAspect="1"/>
           </p:cNvPicPr>
           <p:nvPr/>
         </p:nvPicPr>
         <p:blipFill>
-          <a:blip r:embed="rId2"/>
+          <a:blip r:embed="rId1"/>
           <a:stretch>
             <a:fillRect/>
           </a:stretch>
@@ -4329,11 +3873,6 @@
         </p:spPr>
       </p:pic>
     </p:spTree>
-    <p:extLst>
-      <p:ext uri="{BB962C8B-B14F-4D97-AF65-F5344CB8AC3E}">
-        <p14:creationId xmlns:p14="http://schemas.microsoft.com/office/powerpoint/2010/main" val="960860382"/>
-      </p:ext>
-    </p:extLst>
   </p:cSld>
   <p:clrMapOvr>
     <a:masterClrMapping/>
@@ -4360,13 +3899,7 @@
       </p:grpSpPr>
       <p:sp>
         <p:nvSpPr>
-          <p:cNvPr id="2" name="Title 1">
-            <a:extLst>
-              <a:ext uri="{FF2B5EF4-FFF2-40B4-BE49-F238E27FC236}">
-                <a16:creationId xmlns:a16="http://schemas.microsoft.com/office/drawing/2014/main" id="{09844309-1D33-B947-B59C-59DD64115E91}"/>
-              </a:ext>
-            </a:extLst>
-          </p:cNvPr>
+          <p:cNvPr id="2" name="Title 1"/>
           <p:cNvSpPr>
             <a:spLocks noGrp="1"/>
           </p:cNvSpPr>
@@ -4383,18 +3916,13 @@
               <a:rPr lang="en-US" dirty="0"/>
               <a:t>System Call Overhead</a:t>
             </a:r>
-          </a:p>
-        </p:txBody>
-      </p:sp>
-      <p:sp>
-        <p:nvSpPr>
-          <p:cNvPr id="3" name="Content Placeholder 2">
-            <a:extLst>
-              <a:ext uri="{FF2B5EF4-FFF2-40B4-BE49-F238E27FC236}">
-                <a16:creationId xmlns:a16="http://schemas.microsoft.com/office/drawing/2014/main" id="{53F65EE4-0B76-E942-83F8-025E4FE8EF33}"/>
-              </a:ext>
-            </a:extLst>
-          </p:cNvPr>
+            <a:endParaRPr lang="en-US" dirty="0"/>
+          </a:p>
+        </p:txBody>
+      </p:sp>
+      <p:sp>
+        <p:nvSpPr>
+          <p:cNvPr id="3" name="Content Placeholder 2"/>
           <p:cNvSpPr>
             <a:spLocks noGrp="1"/>
           </p:cNvSpPr>
@@ -4414,6 +3942,7 @@
               <a:rPr lang="en-US" dirty="0"/>
               <a:t>System calls are expensive and can hurt performance</a:t>
             </a:r>
+            <a:endParaRPr lang="en-US" dirty="0"/>
           </a:p>
           <a:p>
             <a:pPr marL="0" indent="0">
@@ -4423,36 +3952,42 @@
               <a:rPr lang="en-US" dirty="0"/>
               <a:t>The system must do many things</a:t>
             </a:r>
+            <a:endParaRPr lang="en-US" dirty="0"/>
           </a:p>
           <a:p>
             <a:r>
               <a:rPr lang="en-US" dirty="0"/>
               <a:t>Process is interrupted &amp; computer saves its state</a:t>
             </a:r>
+            <a:endParaRPr lang="en-US" dirty="0"/>
           </a:p>
           <a:p>
             <a:r>
               <a:rPr lang="en-US" dirty="0"/>
               <a:t>OS takes control of CPU &amp; verifies validity of op.</a:t>
             </a:r>
+            <a:endParaRPr lang="en-US" dirty="0"/>
           </a:p>
           <a:p>
             <a:r>
               <a:rPr lang="en-US" dirty="0"/>
               <a:t>OS performs requested action</a:t>
             </a:r>
+            <a:endParaRPr lang="en-US" dirty="0"/>
           </a:p>
           <a:p>
             <a:r>
               <a:rPr lang="en-US" dirty="0"/>
               <a:t>OS restores saved context, switches to user mode</a:t>
             </a:r>
+            <a:endParaRPr lang="en-US" dirty="0"/>
           </a:p>
           <a:p>
             <a:r>
               <a:rPr lang="en-US" dirty="0"/>
               <a:t>OS gives control of the CPU back to user process</a:t>
             </a:r>
+            <a:endParaRPr lang="en-US" dirty="0"/>
           </a:p>
           <a:p>
             <a:endParaRPr lang="en-US" dirty="0"/>
@@ -4460,11 +3995,6 @@
         </p:txBody>
       </p:sp>
     </p:spTree>
-    <p:extLst>
-      <p:ext uri="{BB962C8B-B14F-4D97-AF65-F5344CB8AC3E}">
-        <p14:creationId xmlns:p14="http://schemas.microsoft.com/office/powerpoint/2010/main" val="1668411974"/>
-      </p:ext>
-    </p:extLst>
   </p:cSld>
   <p:clrMapOvr>
     <a:masterClrMapping/>
@@ -4491,13 +4021,7 @@
       </p:grpSpPr>
       <p:sp>
         <p:nvSpPr>
-          <p:cNvPr id="2" name="Title 1">
-            <a:extLst>
-              <a:ext uri="{FF2B5EF4-FFF2-40B4-BE49-F238E27FC236}">
-                <a16:creationId xmlns:a16="http://schemas.microsoft.com/office/drawing/2014/main" id="{FDADCA2B-8452-3542-A202-880FE214B4EA}"/>
-              </a:ext>
-            </a:extLst>
-          </p:cNvPr>
+          <p:cNvPr id="2" name="Title 1"/>
           <p:cNvSpPr>
             <a:spLocks noGrp="1"/>
           </p:cNvSpPr>
@@ -4514,18 +4038,13 @@
               <a:rPr lang="en-US" dirty="0"/>
               <a:t>Systems Calls</a:t>
             </a:r>
-          </a:p>
-        </p:txBody>
-      </p:sp>
-      <p:sp>
-        <p:nvSpPr>
-          <p:cNvPr id="3" name="Content Placeholder 2">
-            <a:extLst>
-              <a:ext uri="{FF2B5EF4-FFF2-40B4-BE49-F238E27FC236}">
-                <a16:creationId xmlns:a16="http://schemas.microsoft.com/office/drawing/2014/main" id="{D872F754-4CB8-6F46-85C0-483D8F0273EF}"/>
-              </a:ext>
-            </a:extLst>
-          </p:cNvPr>
+            <a:endParaRPr lang="en-US" dirty="0"/>
+          </a:p>
+        </p:txBody>
+      </p:sp>
+      <p:sp>
+        <p:nvSpPr>
+          <p:cNvPr id="3" name="Content Placeholder 2"/>
           <p:cNvSpPr>
             <a:spLocks noGrp="1"/>
           </p:cNvSpPr>
@@ -4558,6 +4077,7 @@
               <a:rPr lang="en-US" dirty="0"/>
               <a:t>Process creation and management</a:t>
             </a:r>
+            <a:endParaRPr lang="en-US" dirty="0"/>
           </a:p>
           <a:p>
             <a:pPr fontAlgn="base"/>
@@ -4565,6 +4085,7 @@
               <a:rPr lang="en-US" dirty="0"/>
               <a:t>Main memory management</a:t>
             </a:r>
+            <a:endParaRPr lang="en-US" dirty="0"/>
           </a:p>
           <a:p>
             <a:pPr fontAlgn="base"/>
@@ -4572,6 +4093,7 @@
               <a:rPr lang="en-US" dirty="0"/>
               <a:t>File Access, Directory and File system management</a:t>
             </a:r>
+            <a:endParaRPr lang="en-US" dirty="0"/>
           </a:p>
           <a:p>
             <a:pPr fontAlgn="base"/>
@@ -4579,6 +4101,7 @@
               <a:rPr lang="en-US" dirty="0"/>
               <a:t>Device handling(I/O)</a:t>
             </a:r>
+            <a:endParaRPr lang="en-US" dirty="0"/>
           </a:p>
           <a:p>
             <a:pPr fontAlgn="base"/>
@@ -4586,6 +4109,7 @@
               <a:rPr lang="en-US" dirty="0"/>
               <a:t>Protection</a:t>
             </a:r>
+            <a:endParaRPr lang="en-US" dirty="0"/>
           </a:p>
           <a:p>
             <a:pPr fontAlgn="base"/>
@@ -4593,21 +4117,14 @@
               <a:rPr lang="en-US" dirty="0"/>
               <a:t>Networking, etc.</a:t>
             </a:r>
-          </a:p>
-        </p:txBody>
-      </p:sp>
-      <p:sp>
-        <p:nvSpPr>
-          <p:cNvPr id="4" name="Content Placeholder 2">
-            <a:extLst>
-              <a:ext uri="{FF2B5EF4-FFF2-40B4-BE49-F238E27FC236}">
-                <a16:creationId xmlns:a16="http://schemas.microsoft.com/office/drawing/2014/main" id="{896F3733-ADF5-6146-B053-8F56CB343B8B}"/>
-              </a:ext>
-            </a:extLst>
-          </p:cNvPr>
-          <p:cNvSpPr txBox="1">
-            <a:spLocks/>
-          </p:cNvSpPr>
+            <a:endParaRPr lang="en-US" dirty="0"/>
+          </a:p>
+        </p:txBody>
+      </p:sp>
+      <p:sp>
+        <p:nvSpPr>
+          <p:cNvPr id="4" name="Content Placeholder 2"/>
+          <p:cNvSpPr txBox="1"/>
           <p:nvPr/>
         </p:nvSpPr>
         <p:spPr>
@@ -4796,6 +4313,7 @@
               <a:rPr lang="en-US" b="1" dirty="0"/>
               <a:t>Types of System Calls</a:t>
             </a:r>
+            <a:endParaRPr lang="en-US" b="1" dirty="0"/>
           </a:p>
           <a:p>
             <a:pPr fontAlgn="base"/>
@@ -4803,6 +4321,7 @@
               <a:rPr lang="en-US" dirty="0"/>
               <a:t>Process control: create, abort, and terminate process; allocate and free memory.</a:t>
             </a:r>
+            <a:endParaRPr lang="en-US" dirty="0"/>
           </a:p>
           <a:p>
             <a:pPr fontAlgn="base"/>
@@ -4810,6 +4329,7 @@
               <a:rPr lang="en-US" dirty="0"/>
               <a:t>File management: create, open, close, delete, read file etc.</a:t>
             </a:r>
+            <a:endParaRPr lang="en-US" dirty="0"/>
           </a:p>
           <a:p>
             <a:pPr fontAlgn="base"/>
@@ -4817,6 +4337,7 @@
               <a:rPr lang="en-US" dirty="0"/>
               <a:t>Device management</a:t>
             </a:r>
+            <a:endParaRPr lang="en-US" dirty="0"/>
           </a:p>
           <a:p>
             <a:pPr fontAlgn="base"/>
@@ -4824,6 +4345,7 @@
               <a:rPr lang="en-US" dirty="0"/>
               <a:t>Information maintenance</a:t>
             </a:r>
+            <a:endParaRPr lang="en-US" dirty="0"/>
           </a:p>
           <a:p>
             <a:pPr fontAlgn="base"/>
@@ -4831,6 +4353,7 @@
               <a:rPr lang="en-US" dirty="0"/>
               <a:t>Communication</a:t>
             </a:r>
+            <a:endParaRPr lang="en-US" dirty="0"/>
           </a:p>
           <a:p>
             <a:pPr fontAlgn="base"/>
@@ -4839,11 +4362,6 @@
         </p:txBody>
       </p:sp>
     </p:spTree>
-    <p:extLst>
-      <p:ext uri="{BB962C8B-B14F-4D97-AF65-F5344CB8AC3E}">
-        <p14:creationId xmlns:p14="http://schemas.microsoft.com/office/powerpoint/2010/main" val="726311841"/>
-      </p:ext>
-    </p:extLst>
   </p:cSld>
   <p:clrMapOvr>
     <a:masterClrMapping/>
@@ -4870,13 +4388,7 @@
       </p:grpSpPr>
       <p:sp>
         <p:nvSpPr>
-          <p:cNvPr id="2" name="Title 1">
-            <a:extLst>
-              <a:ext uri="{FF2B5EF4-FFF2-40B4-BE49-F238E27FC236}">
-                <a16:creationId xmlns:a16="http://schemas.microsoft.com/office/drawing/2014/main" id="{C676A9B1-4755-4540-9CAF-C95983D4860A}"/>
-              </a:ext>
-            </a:extLst>
-          </p:cNvPr>
+          <p:cNvPr id="2" name="Title 1"/>
           <p:cNvSpPr>
             <a:spLocks noGrp="1"/>
           </p:cNvSpPr>
@@ -4898,28 +4410,17 @@
               <a:rPr lang="en-US" dirty="0"/>
               <a:t>Examples</a:t>
             </a:r>
+            <a:endParaRPr lang="en-US" dirty="0"/>
           </a:p>
         </p:txBody>
       </p:sp>
       <p:graphicFrame>
         <p:nvGraphicFramePr>
-          <p:cNvPr id="4" name="Table 3">
-            <a:extLst>
-              <a:ext uri="{FF2B5EF4-FFF2-40B4-BE49-F238E27FC236}">
-                <a16:creationId xmlns:a16="http://schemas.microsoft.com/office/drawing/2014/main" id="{59FAA293-DE38-0140-9A94-AF10ADDE01C5}"/>
-              </a:ext>
-            </a:extLst>
-          </p:cNvPr>
+          <p:cNvPr id="4" name="Table 3"/>
           <p:cNvGraphicFramePr>
             <a:graphicFrameLocks noGrp="1"/>
           </p:cNvGraphicFramePr>
-          <p:nvPr>
-            <p:extLst>
-              <p:ext uri="{D42A27DB-BD31-4B8C-83A1-F6EECF244321}">
-                <p14:modId xmlns:p14="http://schemas.microsoft.com/office/powerpoint/2010/main" val="1515416102"/>
-              </p:ext>
-            </p:extLst>
-          </p:nvPr>
+          <p:nvPr/>
         </p:nvGraphicFramePr>
         <p:xfrm>
           <a:off x="838200" y="1593413"/>
@@ -4932,20 +4433,8 @@
                 <a:tableStyleId>{7DF18680-E054-41AD-8BC1-D1AEF772440D}</a:tableStyleId>
               </a:tblPr>
               <a:tblGrid>
-                <a:gridCol w="4902423">
-                  <a:extLst>
-                    <a:ext uri="{9D8B030D-6E8A-4147-A177-3AD203B41FA5}">
-                      <a16:colId xmlns:a16="http://schemas.microsoft.com/office/drawing/2014/main" val="3715553713"/>
-                    </a:ext>
-                  </a:extLst>
-                </a:gridCol>
-                <a:gridCol w="4902423">
-                  <a:extLst>
-                    <a:ext uri="{9D8B030D-6E8A-4147-A177-3AD203B41FA5}">
-                      <a16:colId xmlns:a16="http://schemas.microsoft.com/office/drawing/2014/main" val="3310241156"/>
-                    </a:ext>
-                  </a:extLst>
-                </a:gridCol>
+                <a:gridCol w="4902423"/>
+                <a:gridCol w="4902423"/>
               </a:tblGrid>
               <a:tr h="725223">
                 <a:tc>
@@ -4986,11 +4475,6 @@
                   </a:txBody>
                   <a:tcPr marL="84892" marR="84892" marT="42446" marB="42446" anchor="ctr"/>
                 </a:tc>
-                <a:extLst>
-                  <a:ext uri="{0D108BD9-81ED-4DB2-BD59-A6C34878D82A}">
-                    <a16:rowId xmlns:a16="http://schemas.microsoft.com/office/drawing/2014/main" val="2419943960"/>
-                  </a:ext>
-                </a:extLst>
               </a:tr>
               <a:tr h="725223">
                 <a:tc>
@@ -5031,11 +4515,6 @@
                   </a:txBody>
                   <a:tcPr marL="84892" marR="84892" marT="42446" marB="42446" anchor="ctr"/>
                 </a:tc>
-                <a:extLst>
-                  <a:ext uri="{0D108BD9-81ED-4DB2-BD59-A6C34878D82A}">
-                    <a16:rowId xmlns:a16="http://schemas.microsoft.com/office/drawing/2014/main" val="13293085"/>
-                  </a:ext>
-                </a:extLst>
               </a:tr>
               <a:tr h="725223">
                 <a:tc>
@@ -5082,11 +4561,6 @@
                   </a:txBody>
                   <a:tcPr marL="84892" marR="84892" marT="42446" marB="42446" anchor="ctr"/>
                 </a:tc>
-                <a:extLst>
-                  <a:ext uri="{0D108BD9-81ED-4DB2-BD59-A6C34878D82A}">
-                    <a16:rowId xmlns:a16="http://schemas.microsoft.com/office/drawing/2014/main" val="195693098"/>
-                  </a:ext>
-                </a:extLst>
               </a:tr>
               <a:tr h="725223">
                 <a:tc>
@@ -5133,11 +4607,6 @@
                   </a:txBody>
                   <a:tcPr marL="84892" marR="84892" marT="42446" marB="42446" anchor="ctr"/>
                 </a:tc>
-                <a:extLst>
-                  <a:ext uri="{0D108BD9-81ED-4DB2-BD59-A6C34878D82A}">
-                    <a16:rowId xmlns:a16="http://schemas.microsoft.com/office/drawing/2014/main" val="1014152943"/>
-                  </a:ext>
-                </a:extLst>
               </a:tr>
               <a:tr h="725223">
                 <a:tc>
@@ -5202,11 +4671,6 @@
                   </a:txBody>
                   <a:tcPr marL="84892" marR="84892" marT="42446" marB="42446" anchor="ctr"/>
                 </a:tc>
-                <a:extLst>
-                  <a:ext uri="{0D108BD9-81ED-4DB2-BD59-A6C34878D82A}">
-                    <a16:rowId xmlns:a16="http://schemas.microsoft.com/office/drawing/2014/main" val="3792543288"/>
-                  </a:ext>
-                </a:extLst>
               </a:tr>
               <a:tr h="725223">
                 <a:tc>
@@ -5277,22 +4741,12 @@
                   </a:txBody>
                   <a:tcPr marL="84892" marR="84892" marT="42446" marB="42446" anchor="ctr"/>
                 </a:tc>
-                <a:extLst>
-                  <a:ext uri="{0D108BD9-81ED-4DB2-BD59-A6C34878D82A}">
-                    <a16:rowId xmlns:a16="http://schemas.microsoft.com/office/drawing/2014/main" val="2435228355"/>
-                  </a:ext>
-                </a:extLst>
               </a:tr>
             </a:tbl>
           </a:graphicData>
         </a:graphic>
       </p:graphicFrame>
     </p:spTree>
-    <p:extLst>
-      <p:ext uri="{BB962C8B-B14F-4D97-AF65-F5344CB8AC3E}">
-        <p14:creationId xmlns:p14="http://schemas.microsoft.com/office/powerpoint/2010/main" val="3854673007"/>
-      </p:ext>
-    </p:extLst>
   </p:cSld>
   <p:clrMapOvr>
     <a:masterClrMapping/>
@@ -5319,13 +4773,7 @@
       </p:grpSpPr>
       <p:sp>
         <p:nvSpPr>
-          <p:cNvPr id="2" name="Title 1">
-            <a:extLst>
-              <a:ext uri="{FF2B5EF4-FFF2-40B4-BE49-F238E27FC236}">
-                <a16:creationId xmlns:a16="http://schemas.microsoft.com/office/drawing/2014/main" id="{D9EC9830-28CA-FD42-A6B4-533C84DEC906}"/>
-              </a:ext>
-            </a:extLst>
-          </p:cNvPr>
+          <p:cNvPr id="2" name="Title 1"/>
           <p:cNvSpPr>
             <a:spLocks noGrp="1"/>
           </p:cNvSpPr>
@@ -5342,18 +4790,13 @@
               <a:rPr lang="en-US" dirty="0"/>
               <a:t>System Call Programming</a:t>
             </a:r>
-          </a:p>
-        </p:txBody>
-      </p:sp>
-      <p:sp>
-        <p:nvSpPr>
-          <p:cNvPr id="3" name="Text Placeholder 2">
-            <a:extLst>
-              <a:ext uri="{FF2B5EF4-FFF2-40B4-BE49-F238E27FC236}">
-                <a16:creationId xmlns:a16="http://schemas.microsoft.com/office/drawing/2014/main" id="{534A3F29-AE54-9346-8918-726503088A5D}"/>
-              </a:ext>
-            </a:extLst>
-          </p:cNvPr>
+            <a:endParaRPr lang="en-US" dirty="0"/>
+          </a:p>
+        </p:txBody>
+      </p:sp>
+      <p:sp>
+        <p:nvSpPr>
+          <p:cNvPr id="3" name="Text Placeholder 2"/>
           <p:cNvSpPr>
             <a:spLocks noGrp="1"/>
           </p:cNvSpPr>
@@ -5371,11 +4814,6 @@
         </p:txBody>
       </p:sp>
     </p:spTree>
-    <p:extLst>
-      <p:ext uri="{BB962C8B-B14F-4D97-AF65-F5344CB8AC3E}">
-        <p14:creationId xmlns:p14="http://schemas.microsoft.com/office/powerpoint/2010/main" val="1155795646"/>
-      </p:ext>
-    </p:extLst>
   </p:cSld>
   <p:clrMapOvr>
     <a:masterClrMapping/>
@@ -5402,13 +4840,7 @@
       </p:grpSpPr>
       <p:sp>
         <p:nvSpPr>
-          <p:cNvPr id="2" name="Title 1">
-            <a:extLst>
-              <a:ext uri="{FF2B5EF4-FFF2-40B4-BE49-F238E27FC236}">
-                <a16:creationId xmlns:a16="http://schemas.microsoft.com/office/drawing/2014/main" id="{E7ED632E-BEF5-764F-B570-E4B748913663}"/>
-              </a:ext>
-            </a:extLst>
-          </p:cNvPr>
+          <p:cNvPr id="2" name="Title 1"/>
           <p:cNvSpPr>
             <a:spLocks noGrp="1"/>
           </p:cNvSpPr>
@@ -5430,18 +4862,13 @@
               <a:rPr lang="en-US" dirty="0"/>
               <a:t>How to Use System Calls?</a:t>
             </a:r>
+            <a:endParaRPr lang="en-US" dirty="0"/>
           </a:p>
         </p:txBody>
       </p:sp>
       <p:pic>
         <p:nvPicPr>
-          <p:cNvPr id="4" name="Content Placeholder 3">
-            <a:extLst>
-              <a:ext uri="{FF2B5EF4-FFF2-40B4-BE49-F238E27FC236}">
-                <a16:creationId xmlns:a16="http://schemas.microsoft.com/office/drawing/2014/main" id="{659FB4BA-1593-3042-A865-0EE5D8F6B775}"/>
-              </a:ext>
-            </a:extLst>
-          </p:cNvPr>
+          <p:cNvPr id="4" name="Content Placeholder 3"/>
           <p:cNvPicPr>
             <a:picLocks noGrp="1" noChangeAspect="1"/>
           </p:cNvPicPr>
@@ -5450,7 +4877,7 @@
           </p:nvPr>
         </p:nvPicPr>
         <p:blipFill>
-          <a:blip r:embed="rId2"/>
+          <a:blip r:embed="rId1"/>
           <a:stretch>
             <a:fillRect/>
           </a:stretch>
@@ -5467,16 +4894,8 @@
       </p:pic>
       <p:sp>
         <p:nvSpPr>
-          <p:cNvPr id="5" name="Content Placeholder 2">
-            <a:extLst>
-              <a:ext uri="{FF2B5EF4-FFF2-40B4-BE49-F238E27FC236}">
-                <a16:creationId xmlns:a16="http://schemas.microsoft.com/office/drawing/2014/main" id="{D2344EE6-12E0-2C45-B87F-892FB217AF48}"/>
-              </a:ext>
-            </a:extLst>
-          </p:cNvPr>
-          <p:cNvSpPr txBox="1">
-            <a:spLocks/>
-          </p:cNvSpPr>
+          <p:cNvPr id="5" name="Content Placeholder 2"/>
+          <p:cNvSpPr txBox="1"/>
           <p:nvPr/>
         </p:nvSpPr>
         <p:spPr>
@@ -5664,6 +5083,7 @@
               <a:rPr lang="en-US" dirty="0"/>
               <a:t>Use man to check the system calls</a:t>
             </a:r>
+            <a:endParaRPr lang="en-US" dirty="0"/>
           </a:p>
           <a:p>
             <a:pPr marL="0" indent="0">
@@ -5673,6 +5093,7 @@
               <a:rPr lang="en-US" dirty="0"/>
               <a:t>Examples:</a:t>
             </a:r>
+            <a:endParaRPr lang="en-US" dirty="0"/>
           </a:p>
           <a:p>
             <a:r>
@@ -5691,18 +5112,21 @@
               <a:rPr lang="en-US" dirty="0"/>
               <a:t>()</a:t>
             </a:r>
+            <a:endParaRPr lang="en-US" dirty="0"/>
           </a:p>
           <a:p>
             <a:r>
               <a:rPr lang="en-US" dirty="0"/>
               <a:t>read(), write(),</a:t>
             </a:r>
+            <a:endParaRPr lang="en-US" dirty="0"/>
           </a:p>
           <a:p>
             <a:r>
               <a:rPr lang="en-US" dirty="0"/>
               <a:t>open(), close()</a:t>
             </a:r>
+            <a:endParaRPr lang="en-US" dirty="0"/>
           </a:p>
           <a:p>
             <a:r>
@@ -5713,21 +5137,18 @@
               <a:rPr lang="en-US" dirty="0"/>
               <a:t>(),</a:t>
             </a:r>
+            <a:endParaRPr lang="en-US" dirty="0"/>
           </a:p>
           <a:p>
             <a:r>
               <a:rPr lang="en-US" dirty="0"/>
               <a:t>dup()</a:t>
             </a:r>
+            <a:endParaRPr lang="en-US" dirty="0"/>
           </a:p>
         </p:txBody>
       </p:sp>
     </p:spTree>
-    <p:extLst>
-      <p:ext uri="{BB962C8B-B14F-4D97-AF65-F5344CB8AC3E}">
-        <p14:creationId xmlns:p14="http://schemas.microsoft.com/office/powerpoint/2010/main" val="1529877632"/>
-      </p:ext>
-    </p:extLst>
   </p:cSld>
   <p:clrMapOvr>
     <a:masterClrMapping/>
@@ -5754,13 +5175,7 @@
       </p:grpSpPr>
       <p:sp>
         <p:nvSpPr>
-          <p:cNvPr id="2" name="Title 1">
-            <a:extLst>
-              <a:ext uri="{FF2B5EF4-FFF2-40B4-BE49-F238E27FC236}">
-                <a16:creationId xmlns:a16="http://schemas.microsoft.com/office/drawing/2014/main" id="{988AEDC6-8A23-AE45-A785-21A974BCA9B6}"/>
-              </a:ext>
-            </a:extLst>
-          </p:cNvPr>
+          <p:cNvPr id="2" name="Title 1"/>
           <p:cNvSpPr>
             <a:spLocks noGrp="1"/>
           </p:cNvSpPr>
@@ -5777,18 +5192,13 @@
               <a:rPr lang="en-US" dirty="0"/>
               <a:t>System Call Through Library Functions</a:t>
             </a:r>
-          </a:p>
-        </p:txBody>
-      </p:sp>
-      <p:sp>
-        <p:nvSpPr>
-          <p:cNvPr id="3" name="Content Placeholder 2">
-            <a:extLst>
-              <a:ext uri="{FF2B5EF4-FFF2-40B4-BE49-F238E27FC236}">
-                <a16:creationId xmlns:a16="http://schemas.microsoft.com/office/drawing/2014/main" id="{28239D68-55A2-1D48-817C-77CB9B1720DC}"/>
-              </a:ext>
-            </a:extLst>
-          </p:cNvPr>
+            <a:endParaRPr lang="en-US" dirty="0"/>
+          </a:p>
+        </p:txBody>
+      </p:sp>
+      <p:sp>
+        <p:nvSpPr>
+          <p:cNvPr id="3" name="Content Placeholder 2"/>
           <p:cNvSpPr>
             <a:spLocks noGrp="1"/>
           </p:cNvSpPr>
@@ -5812,12 +5222,14 @@
               <a:rPr lang="en-US" dirty="0"/>
               <a:t>Functions that are a part of standard C library</a:t>
             </a:r>
+            <a:endParaRPr lang="en-US" dirty="0"/>
           </a:p>
           <a:p>
             <a:r>
               <a:rPr lang="en-US" dirty="0"/>
               <a:t>To reduce system call overhead, use equivalent library functions</a:t>
             </a:r>
+            <a:endParaRPr lang="en-US" dirty="0"/>
           </a:p>
           <a:p>
             <a:pPr lvl="1"/>
@@ -5837,6 +5249,7 @@
               <a:rPr lang="en-US" dirty="0"/>
               <a:t> vs. read, write (for standard I/O)</a:t>
             </a:r>
+            <a:endParaRPr lang="en-US" dirty="0"/>
           </a:p>
           <a:p>
             <a:pPr lvl="1"/>
@@ -5856,12 +5269,14 @@
               <a:rPr lang="en-US" dirty="0"/>
               <a:t> vs. open, close (for file I/O), etc.</a:t>
             </a:r>
+            <a:endParaRPr lang="en-US" dirty="0"/>
           </a:p>
           <a:p>
             <a:r>
               <a:rPr lang="en-US" dirty="0"/>
               <a:t>How do these functions perform privileged operations?</a:t>
             </a:r>
+            <a:endParaRPr lang="en-US" dirty="0"/>
           </a:p>
           <a:p>
             <a:pPr lvl="1"/>
@@ -5869,35 +5284,31 @@
               <a:rPr lang="en-US" dirty="0"/>
               <a:t>They make system calls</a:t>
             </a:r>
+            <a:endParaRPr lang="en-US" dirty="0"/>
           </a:p>
           <a:p>
             <a:r>
               <a:rPr lang="en-US" dirty="0"/>
               <a:t>So what’s the difference?</a:t>
             </a:r>
+            <a:endParaRPr lang="en-US" dirty="0"/>
           </a:p>
         </p:txBody>
       </p:sp>
       <p:pic>
         <p:nvPicPr>
-          <p:cNvPr id="4" name="Picture 3">
-            <a:extLst>
-              <a:ext uri="{FF2B5EF4-FFF2-40B4-BE49-F238E27FC236}">
-                <a16:creationId xmlns:a16="http://schemas.microsoft.com/office/drawing/2014/main" id="{09C57623-5A0D-654D-B7FF-0F4F0F0D341B}"/>
-              </a:ext>
-            </a:extLst>
-          </p:cNvPr>
+          <p:cNvPr id="4" name="Picture 3"/>
           <p:cNvPicPr>
             <a:picLocks noChangeAspect="1"/>
           </p:cNvPicPr>
           <p:nvPr/>
         </p:nvPicPr>
         <p:blipFill>
-          <a:blip r:embed="rId2">
+          <a:blip r:embed="rId1">
             <a:extLst>
               <a:ext uri="{BEBA8EAE-BF5A-486C-A8C5-ECC9F3942E4B}">
                 <a14:imgProps xmlns:a14="http://schemas.microsoft.com/office/drawing/2010/main">
-                  <a14:imgLayer r:embed="rId3">
+                  <a14:imgLayer r:embed="rId2">
                     <a14:imgEffect>
                       <a14:backgroundRemoval t="5819" b="90517" l="9756" r="89721">
                         <a14:foregroundMark x1="59408" y1="22845" x2="59408" y2="22845"/>
@@ -5965,11 +5376,6 @@
         </p:spPr>
       </p:pic>
     </p:spTree>
-    <p:extLst>
-      <p:ext uri="{BB962C8B-B14F-4D97-AF65-F5344CB8AC3E}">
-        <p14:creationId xmlns:p14="http://schemas.microsoft.com/office/powerpoint/2010/main" val="3007432090"/>
-      </p:ext>
-    </p:extLst>
   </p:cSld>
   <p:clrMapOvr>
     <a:masterClrMapping/>
@@ -5996,13 +5402,7 @@
       </p:grpSpPr>
       <p:sp>
         <p:nvSpPr>
-          <p:cNvPr id="2" name="Title 1">
-            <a:extLst>
-              <a:ext uri="{FF2B5EF4-FFF2-40B4-BE49-F238E27FC236}">
-                <a16:creationId xmlns:a16="http://schemas.microsoft.com/office/drawing/2014/main" id="{03452525-DC17-1249-975D-D5C38C27F938}"/>
-              </a:ext>
-            </a:extLst>
-          </p:cNvPr>
+          <p:cNvPr id="2" name="Title 1"/>
           <p:cNvSpPr>
             <a:spLocks noGrp="1"/>
           </p:cNvSpPr>
@@ -6019,18 +5419,13 @@
               <a:rPr lang="en-US" dirty="0"/>
               <a:t>Why Bother?</a:t>
             </a:r>
-          </a:p>
-        </p:txBody>
-      </p:sp>
-      <p:sp>
-        <p:nvSpPr>
-          <p:cNvPr id="3" name="Content Placeholder 2">
-            <a:extLst>
-              <a:ext uri="{FF2B5EF4-FFF2-40B4-BE49-F238E27FC236}">
-                <a16:creationId xmlns:a16="http://schemas.microsoft.com/office/drawing/2014/main" id="{28160157-D95B-BD49-8272-BEB074B8109F}"/>
-              </a:ext>
-            </a:extLst>
-          </p:cNvPr>
+            <a:endParaRPr lang="en-US" dirty="0"/>
+          </a:p>
+        </p:txBody>
+      </p:sp>
+      <p:sp>
+        <p:nvSpPr>
+          <p:cNvPr id="3" name="Content Placeholder 2"/>
           <p:cNvSpPr>
             <a:spLocks noGrp="1"/>
           </p:cNvSpPr>
@@ -6055,18 +5450,21 @@
               <a:rPr lang="en-US" dirty="0"/>
               <a:t>Libraries wrap the system call and optimize the performance</a:t>
             </a:r>
+            <a:endParaRPr lang="en-US" dirty="0"/>
           </a:p>
           <a:p>
             <a:r>
               <a:rPr lang="en-US" dirty="0"/>
               <a:t>Usually less system calls</a:t>
             </a:r>
+            <a:endParaRPr lang="en-US" dirty="0"/>
           </a:p>
           <a:p>
             <a:r>
               <a:rPr lang="en-US" dirty="0"/>
               <a:t>Non-frequent switches from user mode to kernel mode</a:t>
             </a:r>
+            <a:endParaRPr lang="en-US" dirty="0"/>
           </a:p>
           <a:p>
             <a:endParaRPr lang="en-US" dirty="0"/>
@@ -6079,25 +5477,20 @@
               <a:rPr lang="en-US" dirty="0"/>
               <a:t>Therefore less overhead and better developing experiences.</a:t>
             </a:r>
+            <a:endParaRPr lang="en-US" dirty="0"/>
           </a:p>
         </p:txBody>
       </p:sp>
       <p:pic>
         <p:nvPicPr>
-          <p:cNvPr id="4" name="Content Placeholder 5">
-            <a:extLst>
-              <a:ext uri="{FF2B5EF4-FFF2-40B4-BE49-F238E27FC236}">
-                <a16:creationId xmlns:a16="http://schemas.microsoft.com/office/drawing/2014/main" id="{D3F702C3-819C-E84D-B722-267216A7ADE2}"/>
-              </a:ext>
-            </a:extLst>
-          </p:cNvPr>
+          <p:cNvPr id="4" name="Content Placeholder 5"/>
           <p:cNvPicPr>
             <a:picLocks noChangeAspect="1"/>
           </p:cNvPicPr>
           <p:nvPr/>
         </p:nvPicPr>
         <p:blipFill>
-          <a:blip r:embed="rId2" cstate="print">
+          <a:blip r:embed="rId1" cstate="print">
             <a:extLst>
               <a:ext uri="{28A0092B-C50C-407E-A947-70E740481C1C}">
                 <a14:useLocalDpi xmlns:a14="http://schemas.microsoft.com/office/drawing/2010/main" val="0"/>
@@ -6119,11 +5512,6 @@
         </p:spPr>
       </p:pic>
     </p:spTree>
-    <p:extLst>
-      <p:ext uri="{BB962C8B-B14F-4D97-AF65-F5344CB8AC3E}">
-        <p14:creationId xmlns:p14="http://schemas.microsoft.com/office/powerpoint/2010/main" val="2711194319"/>
-      </p:ext>
-    </p:extLst>
   </p:cSld>
   <p:clrMapOvr>
     <a:masterClrMapping/>
@@ -6150,13 +5538,7 @@
       </p:grpSpPr>
       <p:sp>
         <p:nvSpPr>
-          <p:cNvPr id="2" name="Title 1">
-            <a:extLst>
-              <a:ext uri="{FF2B5EF4-FFF2-40B4-BE49-F238E27FC236}">
-                <a16:creationId xmlns:a16="http://schemas.microsoft.com/office/drawing/2014/main" id="{38C824F6-A9E4-5843-9659-5FE12D576FE7}"/>
-              </a:ext>
-            </a:extLst>
-          </p:cNvPr>
+          <p:cNvPr id="2" name="Title 1"/>
           <p:cNvSpPr>
             <a:spLocks noGrp="1"/>
           </p:cNvSpPr>
@@ -6173,18 +5555,13 @@
               <a:rPr lang="en-US" dirty="0"/>
               <a:t>Library Function Call Examples</a:t>
             </a:r>
-          </a:p>
-        </p:txBody>
-      </p:sp>
-      <p:sp>
-        <p:nvSpPr>
-          <p:cNvPr id="3" name="Content Placeholder 2">
-            <a:extLst>
-              <a:ext uri="{FF2B5EF4-FFF2-40B4-BE49-F238E27FC236}">
-                <a16:creationId xmlns:a16="http://schemas.microsoft.com/office/drawing/2014/main" id="{84F70D1A-6FC7-1D43-B6C1-3F4CCC7168E7}"/>
-              </a:ext>
-            </a:extLst>
-          </p:cNvPr>
+            <a:endParaRPr lang="en-US" dirty="0"/>
+          </a:p>
+        </p:txBody>
+      </p:sp>
+      <p:sp>
+        <p:nvSpPr>
+          <p:cNvPr id="3" name="Content Placeholder 2"/>
           <p:cNvSpPr>
             <a:spLocks noGrp="1"/>
           </p:cNvSpPr>
@@ -6220,6 +5597,7 @@
               <a:rPr lang="en-US" sz="2800" dirty="0"/>
               <a:t> vs. read, write (for standard I/O)</a:t>
             </a:r>
+            <a:endParaRPr lang="en-US" sz="2800" dirty="0"/>
           </a:p>
           <a:p>
             <a:pPr marL="228600" lvl="1">
@@ -6243,6 +5621,7 @@
               <a:rPr lang="en-US" sz="2800" dirty="0"/>
               <a:t> vs. open, close (for file I/O)</a:t>
             </a:r>
+            <a:endParaRPr lang="en-US" sz="2800" dirty="0"/>
           </a:p>
           <a:p>
             <a:pPr marL="228600" lvl="1">
@@ -6270,6 +5649,7 @@
               <a:rPr lang="en-US" sz="2800" dirty="0"/>
               <a:t> (for memory allocation)</a:t>
             </a:r>
+            <a:endParaRPr lang="en-US" sz="2800" dirty="0"/>
           </a:p>
           <a:p>
             <a:pPr marL="228600" lvl="1">
@@ -6281,15 +5661,11 @@
               <a:rPr lang="en-US" sz="2800" dirty="0"/>
               <a:t>…</a:t>
             </a:r>
+            <a:endParaRPr lang="en-US" sz="2800" dirty="0"/>
           </a:p>
         </p:txBody>
       </p:sp>
     </p:spTree>
-    <p:extLst>
-      <p:ext uri="{BB962C8B-B14F-4D97-AF65-F5344CB8AC3E}">
-        <p14:creationId xmlns:p14="http://schemas.microsoft.com/office/powerpoint/2010/main" val="969273229"/>
-      </p:ext>
-    </p:extLst>
   </p:cSld>
   <p:clrMapOvr>
     <a:masterClrMapping/>
@@ -6316,13 +5692,7 @@
       </p:grpSpPr>
       <p:sp>
         <p:nvSpPr>
-          <p:cNvPr id="2" name="Title 1">
-            <a:extLst>
-              <a:ext uri="{FF2B5EF4-FFF2-40B4-BE49-F238E27FC236}">
-                <a16:creationId xmlns:a16="http://schemas.microsoft.com/office/drawing/2014/main" id="{BD3E3A7D-276F-5140-AC9C-114779FB385F}"/>
-              </a:ext>
-            </a:extLst>
-          </p:cNvPr>
+          <p:cNvPr id="2" name="Title 1"/>
           <p:cNvSpPr>
             <a:spLocks noGrp="1"/>
           </p:cNvSpPr>
@@ -6339,18 +5709,13 @@
               <a:rPr lang="en-US" b="1" dirty="0"/>
               <a:t>Session 5-1</a:t>
             </a:r>
-          </a:p>
-        </p:txBody>
-      </p:sp>
-      <p:sp>
-        <p:nvSpPr>
-          <p:cNvPr id="3" name="Content Placeholder 2">
-            <a:extLst>
-              <a:ext uri="{FF2B5EF4-FFF2-40B4-BE49-F238E27FC236}">
-                <a16:creationId xmlns:a16="http://schemas.microsoft.com/office/drawing/2014/main" id="{B1B5935F-9A7A-A64F-BA46-FBA5645A0779}"/>
-              </a:ext>
-            </a:extLst>
-          </p:cNvPr>
+            <a:endParaRPr lang="en-US" b="1" dirty="0"/>
+          </a:p>
+        </p:txBody>
+      </p:sp>
+      <p:sp>
+        <p:nvSpPr>
+          <p:cNvPr id="3" name="Content Placeholder 2"/>
           <p:cNvSpPr>
             <a:spLocks noGrp="1"/>
           </p:cNvSpPr>
@@ -6367,27 +5732,25 @@
               <a:rPr lang="en-US" dirty="0"/>
               <a:t>User mode and Kernel mode</a:t>
             </a:r>
+            <a:endParaRPr lang="en-US" dirty="0"/>
           </a:p>
           <a:p>
             <a:r>
               <a:rPr lang="en-US" dirty="0"/>
               <a:t>System Calls </a:t>
             </a:r>
+            <a:endParaRPr lang="en-US" dirty="0"/>
           </a:p>
           <a:p>
             <a:r>
               <a:rPr lang="en-US" dirty="0"/>
               <a:t>System Call Programming</a:t>
             </a:r>
+            <a:endParaRPr lang="en-US" dirty="0"/>
           </a:p>
         </p:txBody>
       </p:sp>
     </p:spTree>
-    <p:extLst>
-      <p:ext uri="{BB962C8B-B14F-4D97-AF65-F5344CB8AC3E}">
-        <p14:creationId xmlns:p14="http://schemas.microsoft.com/office/powerpoint/2010/main" val="400885394"/>
-      </p:ext>
-    </p:extLst>
   </p:cSld>
   <p:clrMapOvr>
     <a:masterClrMapping/>
@@ -6414,13 +5777,7 @@
       </p:grpSpPr>
       <p:sp>
         <p:nvSpPr>
-          <p:cNvPr id="2" name="Title 1">
-            <a:extLst>
-              <a:ext uri="{FF2B5EF4-FFF2-40B4-BE49-F238E27FC236}">
-                <a16:creationId xmlns:a16="http://schemas.microsoft.com/office/drawing/2014/main" id="{F13248E9-CB93-E144-A736-558FB1D95DD3}"/>
-              </a:ext>
-            </a:extLst>
-          </p:cNvPr>
+          <p:cNvPr id="2" name="Title 1"/>
           <p:cNvSpPr>
             <a:spLocks noGrp="1"/>
           </p:cNvSpPr>
@@ -6445,18 +5802,13 @@
               <a:rPr lang="en-US" dirty="0"/>
               <a:t> Is Better Than open</a:t>
             </a:r>
-          </a:p>
-        </p:txBody>
-      </p:sp>
-      <p:sp>
-        <p:nvSpPr>
-          <p:cNvPr id="3" name="Content Placeholder 2">
-            <a:extLst>
-              <a:ext uri="{FF2B5EF4-FFF2-40B4-BE49-F238E27FC236}">
-                <a16:creationId xmlns:a16="http://schemas.microsoft.com/office/drawing/2014/main" id="{E43D3C36-9945-7245-BA11-65668547D1A6}"/>
-              </a:ext>
-            </a:extLst>
-          </p:cNvPr>
+            <a:endParaRPr lang="en-US" dirty="0"/>
+          </a:p>
+        </p:txBody>
+      </p:sp>
+      <p:sp>
+        <p:nvSpPr>
+          <p:cNvPr id="3" name="Content Placeholder 2"/>
           <p:cNvSpPr>
             <a:spLocks noGrp="1"/>
           </p:cNvSpPr>
@@ -6489,6 +5841,7 @@
               <a:rPr lang="en-US" b="1" dirty="0"/>
               <a:t>unbuffered I/O</a:t>
             </a:r>
+            <a:endParaRPr lang="en-US" b="1" dirty="0"/>
           </a:p>
           <a:p>
             <a:pPr lvl="1"/>
@@ -6496,6 +5849,7 @@
               <a:rPr lang="en-US" dirty="0"/>
               <a:t>Every byte is read/written by the kernel through a system call in unbuffered I/O while buffered I/O collect as many bytes as possible (in a buffer) and read more than a single byte (into buffer) at a time and use one system call for a block of bytes </a:t>
             </a:r>
+            <a:endParaRPr lang="en-US" dirty="0"/>
           </a:p>
           <a:p>
             <a:r>
@@ -6522,6 +5876,7 @@
               <a:rPr lang="en-US" dirty="0"/>
               <a:t>()</a:t>
             </a:r>
+            <a:endParaRPr lang="en-US" dirty="0"/>
           </a:p>
           <a:p>
             <a:r>
@@ -6540,6 +5895,7 @@
               <a:rPr lang="en-US" dirty="0"/>
               <a:t> can work on platforms that does not use open, e.g., some old versions of C)</a:t>
             </a:r>
+            <a:endParaRPr lang="en-US" dirty="0"/>
           </a:p>
           <a:p>
             <a:pPr lvl="1"/>
@@ -6552,11 +5908,6 @@
         </p:txBody>
       </p:sp>
     </p:spTree>
-    <p:extLst>
-      <p:ext uri="{BB962C8B-B14F-4D97-AF65-F5344CB8AC3E}">
-        <p14:creationId xmlns:p14="http://schemas.microsoft.com/office/powerpoint/2010/main" val="3885611300"/>
-      </p:ext>
-    </p:extLst>
   </p:cSld>
   <p:clrMapOvr>
     <a:masterClrMapping/>
@@ -6583,13 +5934,7 @@
       </p:grpSpPr>
       <p:sp>
         <p:nvSpPr>
-          <p:cNvPr id="2" name="Title 1">
-            <a:extLst>
-              <a:ext uri="{FF2B5EF4-FFF2-40B4-BE49-F238E27FC236}">
-                <a16:creationId xmlns:a16="http://schemas.microsoft.com/office/drawing/2014/main" id="{48303497-41F5-1D44-A1EF-19DF64A4F3C4}"/>
-              </a:ext>
-            </a:extLst>
-          </p:cNvPr>
+          <p:cNvPr id="2" name="Title 1"/>
           <p:cNvSpPr>
             <a:spLocks noGrp="1"/>
           </p:cNvSpPr>
@@ -6606,18 +5951,13 @@
               <a:rPr lang="en-US" dirty="0"/>
               <a:t>User Mode and Kernel Mode</a:t>
             </a:r>
-          </a:p>
-        </p:txBody>
-      </p:sp>
-      <p:sp>
-        <p:nvSpPr>
-          <p:cNvPr id="3" name="Text Placeholder 2">
-            <a:extLst>
-              <a:ext uri="{FF2B5EF4-FFF2-40B4-BE49-F238E27FC236}">
-                <a16:creationId xmlns:a16="http://schemas.microsoft.com/office/drawing/2014/main" id="{E771A790-F495-1045-BDC0-4F84420BC5B7}"/>
-              </a:ext>
-            </a:extLst>
-          </p:cNvPr>
+            <a:endParaRPr lang="en-US" dirty="0"/>
+          </a:p>
+        </p:txBody>
+      </p:sp>
+      <p:sp>
+        <p:nvSpPr>
+          <p:cNvPr id="3" name="Text Placeholder 2"/>
           <p:cNvSpPr>
             <a:spLocks noGrp="1"/>
           </p:cNvSpPr>
@@ -6635,11 +5975,6 @@
         </p:txBody>
       </p:sp>
     </p:spTree>
-    <p:extLst>
-      <p:ext uri="{BB962C8B-B14F-4D97-AF65-F5344CB8AC3E}">
-        <p14:creationId xmlns:p14="http://schemas.microsoft.com/office/powerpoint/2010/main" val="3632734857"/>
-      </p:ext>
-    </p:extLst>
   </p:cSld>
   <p:clrMapOvr>
     <a:masterClrMapping/>
@@ -6666,13 +6001,7 @@
       </p:grpSpPr>
       <p:sp>
         <p:nvSpPr>
-          <p:cNvPr id="2" name="Title 1">
-            <a:extLst>
-              <a:ext uri="{FF2B5EF4-FFF2-40B4-BE49-F238E27FC236}">
-                <a16:creationId xmlns:a16="http://schemas.microsoft.com/office/drawing/2014/main" id="{8922815A-4E62-2449-9208-C02A3DC7CA3D}"/>
-              </a:ext>
-            </a:extLst>
-          </p:cNvPr>
+          <p:cNvPr id="2" name="Title 1"/>
           <p:cNvSpPr>
             <a:spLocks noGrp="1"/>
           </p:cNvSpPr>
@@ -6689,18 +6018,13 @@
               <a:rPr lang="en-US" dirty="0"/>
               <a:t>Processor/Operating/CPU Modes</a:t>
             </a:r>
-          </a:p>
-        </p:txBody>
-      </p:sp>
-      <p:sp>
-        <p:nvSpPr>
-          <p:cNvPr id="3" name="Content Placeholder 2">
-            <a:extLst>
-              <a:ext uri="{FF2B5EF4-FFF2-40B4-BE49-F238E27FC236}">
-                <a16:creationId xmlns:a16="http://schemas.microsoft.com/office/drawing/2014/main" id="{C5677956-B4E6-1545-9549-1CE1B78B1F05}"/>
-              </a:ext>
-            </a:extLst>
-          </p:cNvPr>
+            <a:endParaRPr lang="en-US" dirty="0"/>
+          </a:p>
+        </p:txBody>
+      </p:sp>
+      <p:sp>
+        <p:nvSpPr>
+          <p:cNvPr id="3" name="Content Placeholder 2"/>
           <p:cNvSpPr>
             <a:spLocks noGrp="1"/>
           </p:cNvSpPr>
@@ -6720,31 +6044,27 @@
               <a:rPr lang="en-US" dirty="0"/>
               <a:t>Operating systems place restrictions on the type and scope of operations that can be performed by certain processes</a:t>
             </a:r>
+            <a:endParaRPr lang="en-US" dirty="0"/>
           </a:p>
           <a:p>
             <a:r>
               <a:rPr lang="en-US" dirty="0"/>
               <a:t>only highly trusted kernel code is allowed to execute in the unrestricted mode</a:t>
             </a:r>
+            <a:endParaRPr lang="en-US" dirty="0"/>
           </a:p>
         </p:txBody>
       </p:sp>
       <p:pic>
         <p:nvPicPr>
-          <p:cNvPr id="4" name="Picture 3">
-            <a:extLst>
-              <a:ext uri="{FF2B5EF4-FFF2-40B4-BE49-F238E27FC236}">
-                <a16:creationId xmlns:a16="http://schemas.microsoft.com/office/drawing/2014/main" id="{3D4A4089-56BF-9140-9A8D-F95CDBF5C354}"/>
-              </a:ext>
-            </a:extLst>
-          </p:cNvPr>
+          <p:cNvPr id="4" name="Picture 3"/>
           <p:cNvPicPr>
             <a:picLocks noChangeAspect="1"/>
           </p:cNvPicPr>
           <p:nvPr/>
         </p:nvPicPr>
         <p:blipFill>
-          <a:blip r:embed="rId3"/>
+          <a:blip r:embed="rId1"/>
           <a:stretch>
             <a:fillRect/>
           </a:stretch>
@@ -6765,11 +6085,6 @@
         </p:spPr>
       </p:pic>
     </p:spTree>
-    <p:extLst>
-      <p:ext uri="{BB962C8B-B14F-4D97-AF65-F5344CB8AC3E}">
-        <p14:creationId xmlns:p14="http://schemas.microsoft.com/office/powerpoint/2010/main" val="971030614"/>
-      </p:ext>
-    </p:extLst>
   </p:cSld>
   <p:clrMapOvr>
     <a:masterClrMapping/>
@@ -6796,13 +6111,7 @@
       </p:grpSpPr>
       <p:sp>
         <p:nvSpPr>
-          <p:cNvPr id="2" name="Title 1">
-            <a:extLst>
-              <a:ext uri="{FF2B5EF4-FFF2-40B4-BE49-F238E27FC236}">
-                <a16:creationId xmlns:a16="http://schemas.microsoft.com/office/drawing/2014/main" id="{8D073101-0E77-B94F-90EE-D922DA6FBCE3}"/>
-              </a:ext>
-            </a:extLst>
-          </p:cNvPr>
+          <p:cNvPr id="2" name="Title 1"/>
           <p:cNvSpPr>
             <a:spLocks noGrp="1"/>
           </p:cNvSpPr>
@@ -6827,18 +6136,13 @@
               <a:rPr lang="en-US" dirty="0"/>
               <a:t>. Kernel Mode</a:t>
             </a:r>
-          </a:p>
-        </p:txBody>
-      </p:sp>
-      <p:sp>
-        <p:nvSpPr>
-          <p:cNvPr id="3" name="Content Placeholder 2">
-            <a:extLst>
-              <a:ext uri="{FF2B5EF4-FFF2-40B4-BE49-F238E27FC236}">
-                <a16:creationId xmlns:a16="http://schemas.microsoft.com/office/drawing/2014/main" id="{579CC414-D4DF-414D-929F-E1DECAA43A20}"/>
-              </a:ext>
-            </a:extLst>
-          </p:cNvPr>
+            <a:endParaRPr lang="en-US" dirty="0"/>
+          </a:p>
+        </p:txBody>
+      </p:sp>
+      <p:sp>
+        <p:nvSpPr>
+          <p:cNvPr id="3" name="Content Placeholder 2"/>
           <p:cNvSpPr>
             <a:spLocks noGrp="1"/>
           </p:cNvSpPr>
@@ -6858,18 +6162,21 @@
               <a:rPr lang="en-US" dirty="0"/>
               <a:t>User Mode (mode bit = 1)</a:t>
             </a:r>
+            <a:endParaRPr lang="en-US" dirty="0"/>
           </a:p>
           <a:p>
             <a:r>
               <a:rPr lang="en-US" dirty="0"/>
               <a:t>restricted access to system resources</a:t>
             </a:r>
+            <a:endParaRPr lang="en-US" dirty="0"/>
           </a:p>
           <a:p>
             <a:r>
               <a:rPr lang="en-US" dirty="0"/>
               <a:t>CPU restricted to unprivileged instructions and a specified area of memory</a:t>
             </a:r>
+            <a:endParaRPr lang="en-US" dirty="0"/>
           </a:p>
           <a:p>
             <a:pPr marL="0" indent="0">
@@ -6885,12 +6192,14 @@
               <a:rPr lang="en-US" dirty="0"/>
               <a:t>Kernel Mode (mode bit = 0)</a:t>
             </a:r>
+            <a:endParaRPr lang="en-US" dirty="0"/>
           </a:p>
           <a:p>
             <a:r>
               <a:rPr lang="en-US" dirty="0"/>
               <a:t>unrestricted access</a:t>
             </a:r>
+            <a:endParaRPr lang="en-US" dirty="0"/>
           </a:p>
           <a:p>
             <a:r>
@@ -6905,6 +6214,7 @@
               <a:rPr lang="en-US" dirty="0"/>
               <a:t>, can use all instructions, access all areas of memory and take over the CPU anytime</a:t>
             </a:r>
+            <a:endParaRPr lang="en-US" dirty="0"/>
           </a:p>
           <a:p>
             <a:endParaRPr lang="en-US" dirty="0"/>
@@ -6912,11 +6222,6 @@
         </p:txBody>
       </p:sp>
     </p:spTree>
-    <p:extLst>
-      <p:ext uri="{BB962C8B-B14F-4D97-AF65-F5344CB8AC3E}">
-        <p14:creationId xmlns:p14="http://schemas.microsoft.com/office/powerpoint/2010/main" val="1772275942"/>
-      </p:ext>
-    </p:extLst>
   </p:cSld>
   <p:clrMapOvr>
     <a:masterClrMapping/>
@@ -6943,13 +6248,7 @@
       </p:grpSpPr>
       <p:sp>
         <p:nvSpPr>
-          <p:cNvPr id="2" name="Title 1">
-            <a:extLst>
-              <a:ext uri="{FF2B5EF4-FFF2-40B4-BE49-F238E27FC236}">
-                <a16:creationId xmlns:a16="http://schemas.microsoft.com/office/drawing/2014/main" id="{E80DE795-F604-E34E-914C-7656E5B68D40}"/>
-              </a:ext>
-            </a:extLst>
-          </p:cNvPr>
+          <p:cNvPr id="2" name="Title 1"/>
           <p:cNvSpPr>
             <a:spLocks noGrp="1"/>
           </p:cNvSpPr>
@@ -6966,18 +6265,13 @@
               <a:rPr lang="en-US" dirty="0"/>
               <a:t>Why Dual-mode Operation?</a:t>
             </a:r>
-          </a:p>
-        </p:txBody>
-      </p:sp>
-      <p:sp>
-        <p:nvSpPr>
-          <p:cNvPr id="5" name="Content Placeholder 2">
-            <a:extLst>
-              <a:ext uri="{FF2B5EF4-FFF2-40B4-BE49-F238E27FC236}">
-                <a16:creationId xmlns:a16="http://schemas.microsoft.com/office/drawing/2014/main" id="{DB1E9F9A-38CB-3847-80AF-20EE20854CDB}"/>
-              </a:ext>
-            </a:extLst>
-          </p:cNvPr>
+            <a:endParaRPr lang="en-US" dirty="0"/>
+          </a:p>
+        </p:txBody>
+      </p:sp>
+      <p:sp>
+        <p:nvSpPr>
+          <p:cNvPr id="5" name="Content Placeholder 2"/>
           <p:cNvSpPr>
             <a:spLocks noGrp="1"/>
           </p:cNvSpPr>
@@ -7004,6 +6298,7 @@
               <a:rPr lang="en-US" dirty="0"/>
               <a:t>System resources are shared among processes and the OS must ensure</a:t>
             </a:r>
+            <a:endParaRPr lang="en-US" dirty="0"/>
           </a:p>
           <a:p>
             <a:r>
@@ -7014,6 +6309,7 @@
               <a:rPr lang="en-US" dirty="0"/>
               <a:t>an incorrect/malicious program cannot cause damage to other processes or the system as a whole</a:t>
             </a:r>
+            <a:endParaRPr lang="en-US" dirty="0"/>
           </a:p>
           <a:p>
             <a:pPr lvl="1"/>
@@ -7021,6 +6317,7 @@
               <a:rPr lang="en-US" dirty="0"/>
               <a:t>Prevent processes from accessing illegal memory and modifying kernel code and data structures</a:t>
             </a:r>
+            <a:endParaRPr lang="en-US" dirty="0"/>
           </a:p>
           <a:p>
             <a:pPr lvl="1"/>
@@ -7039,6 +6336,7 @@
               <a:rPr lang="en-US" dirty="0"/>
               <a:t>Make sure processes have a fair use of devices and the CPU</a:t>
             </a:r>
+            <a:endParaRPr lang="en-US" dirty="0"/>
           </a:p>
           <a:p>
             <a:pPr lvl="1"/>
@@ -7046,6 +6344,7 @@
               <a:rPr lang="en-US" dirty="0"/>
               <a:t>Prevent a process from using the CPU for too long</a:t>
             </a:r>
+            <a:endParaRPr lang="en-US" dirty="0"/>
           </a:p>
           <a:p>
             <a:pPr lvl="1"/>
@@ -7054,11 +6353,6 @@
         </p:txBody>
       </p:sp>
     </p:spTree>
-    <p:extLst>
-      <p:ext uri="{BB962C8B-B14F-4D97-AF65-F5344CB8AC3E}">
-        <p14:creationId xmlns:p14="http://schemas.microsoft.com/office/powerpoint/2010/main" val="2521651706"/>
-      </p:ext>
-    </p:extLst>
   </p:cSld>
   <p:clrMapOvr>
     <a:masterClrMapping/>
@@ -7085,13 +6379,7 @@
       </p:grpSpPr>
       <p:sp>
         <p:nvSpPr>
-          <p:cNvPr id="2" name="Title 1">
-            <a:extLst>
-              <a:ext uri="{FF2B5EF4-FFF2-40B4-BE49-F238E27FC236}">
-                <a16:creationId xmlns:a16="http://schemas.microsoft.com/office/drawing/2014/main" id="{E80DE795-F604-E34E-914C-7656E5B68D40}"/>
-              </a:ext>
-            </a:extLst>
-          </p:cNvPr>
+          <p:cNvPr id="2" name="Title 1"/>
           <p:cNvSpPr>
             <a:spLocks noGrp="1"/>
           </p:cNvSpPr>
@@ -7108,18 +6396,13 @@
               <a:rPr lang="en-US" dirty="0"/>
               <a:t>Only Kernel Code is Trusted</a:t>
             </a:r>
-          </a:p>
-        </p:txBody>
-      </p:sp>
-      <p:sp>
-        <p:nvSpPr>
-          <p:cNvPr id="5" name="Content Placeholder 2">
-            <a:extLst>
-              <a:ext uri="{FF2B5EF4-FFF2-40B4-BE49-F238E27FC236}">
-                <a16:creationId xmlns:a16="http://schemas.microsoft.com/office/drawing/2014/main" id="{DB1E9F9A-38CB-3847-80AF-20EE20854CDB}"/>
-              </a:ext>
-            </a:extLst>
-          </p:cNvPr>
+            <a:endParaRPr lang="en-US" dirty="0"/>
+          </a:p>
+        </p:txBody>
+      </p:sp>
+      <p:sp>
+        <p:nvSpPr>
+          <p:cNvPr id="5" name="Content Placeholder 2"/>
           <p:cNvSpPr>
             <a:spLocks noGrp="1"/>
           </p:cNvSpPr>
@@ -7146,6 +6429,7 @@
               <a:rPr lang="en-US" dirty="0"/>
               <a:t>Core of OS software executing in kernel/supervisor state</a:t>
             </a:r>
+            <a:endParaRPr lang="en-US" dirty="0"/>
           </a:p>
           <a:p>
             <a:pPr marL="0" indent="0">
@@ -7155,18 +6439,21 @@
               <a:rPr lang="en-US" dirty="0"/>
               <a:t>Trusted software:</a:t>
             </a:r>
+            <a:endParaRPr lang="en-US" dirty="0"/>
           </a:p>
           <a:p>
             <a:r>
               <a:rPr lang="en-US" dirty="0"/>
               <a:t>Software who manages hardware resources  (CPU, Memory and I/O)</a:t>
             </a:r>
+            <a:endParaRPr lang="en-US" dirty="0"/>
           </a:p>
           <a:p>
             <a:r>
               <a:rPr lang="en-US" dirty="0"/>
               <a:t>Software who implements protection mechanisms that could not be  changed through actions of untrusted software in user space</a:t>
             </a:r>
+            <a:endParaRPr lang="en-US" dirty="0"/>
           </a:p>
           <a:p>
             <a:pPr marL="0" indent="0">
@@ -7180,6 +6467,7 @@
               <a:rPr lang="en-US" dirty="0"/>
               <a:t>interface is a safe way to expose privileged functionality and services of the processor</a:t>
             </a:r>
+            <a:endParaRPr lang="en-US" dirty="0"/>
           </a:p>
           <a:p>
             <a:pPr marL="0" indent="0">
@@ -7200,13 +6488,7 @@
       </p:sp>
       <p:sp>
         <p:nvSpPr>
-          <p:cNvPr id="4" name="object 11">
-            <a:extLst>
-              <a:ext uri="{FF2B5EF4-FFF2-40B4-BE49-F238E27FC236}">
-                <a16:creationId xmlns:a16="http://schemas.microsoft.com/office/drawing/2014/main" id="{288B1DAC-67F1-CF4E-8D85-C3594A23B7B8}"/>
-              </a:ext>
-            </a:extLst>
-          </p:cNvPr>
+          <p:cNvPr id="4" name="object 11"/>
           <p:cNvSpPr/>
           <p:nvPr/>
         </p:nvSpPr>
@@ -7219,7 +6501,7 @@
             <a:avLst/>
           </a:prstGeom>
           <a:blipFill>
-            <a:blip r:embed="rId2" cstate="print"/>
+            <a:blip r:embed="rId1" cstate="print"/>
             <a:stretch>
               <a:fillRect/>
             </a:stretch>
@@ -7228,17 +6510,10 @@
         <p:txBody>
           <a:bodyPr wrap="square" lIns="0" tIns="0" rIns="0" bIns="0" rtlCol="0"/>
           <a:lstStyle/>
-          <a:p>
-            <a:endParaRPr/>
-          </a:p>
+          <a:p/>
         </p:txBody>
       </p:sp>
     </p:spTree>
-    <p:extLst>
-      <p:ext uri="{BB962C8B-B14F-4D97-AF65-F5344CB8AC3E}">
-        <p14:creationId xmlns:p14="http://schemas.microsoft.com/office/powerpoint/2010/main" val="1885753372"/>
-      </p:ext>
-    </p:extLst>
   </p:cSld>
   <p:clrMapOvr>
     <a:masterClrMapping/>
@@ -7265,13 +6540,7 @@
       </p:grpSpPr>
       <p:sp>
         <p:nvSpPr>
-          <p:cNvPr id="2" name="Title 1">
-            <a:extLst>
-              <a:ext uri="{FF2B5EF4-FFF2-40B4-BE49-F238E27FC236}">
-                <a16:creationId xmlns:a16="http://schemas.microsoft.com/office/drawing/2014/main" id="{8193248E-2668-EB47-B264-96FB92AB9F3A}"/>
-              </a:ext>
-            </a:extLst>
-          </p:cNvPr>
+          <p:cNvPr id="2" name="Title 1"/>
           <p:cNvSpPr>
             <a:spLocks noGrp="1"/>
           </p:cNvSpPr>
@@ -7288,18 +6557,13 @@
               <a:rPr lang="en-US" dirty="0"/>
               <a:t>How User Mode Processes Use Kernel Space?</a:t>
             </a:r>
-          </a:p>
-        </p:txBody>
-      </p:sp>
-      <p:sp>
-        <p:nvSpPr>
-          <p:cNvPr id="3" name="Content Placeholder 2">
-            <a:extLst>
-              <a:ext uri="{FF2B5EF4-FFF2-40B4-BE49-F238E27FC236}">
-                <a16:creationId xmlns:a16="http://schemas.microsoft.com/office/drawing/2014/main" id="{0C0A1382-7C95-044E-B00C-4DD5FFD5D956}"/>
-              </a:ext>
-            </a:extLst>
-          </p:cNvPr>
+            <a:endParaRPr lang="en-US" dirty="0"/>
+          </a:p>
+        </p:txBody>
+      </p:sp>
+      <p:sp>
+        <p:nvSpPr>
+          <p:cNvPr id="3" name="Content Placeholder 2"/>
           <p:cNvSpPr>
             <a:spLocks noGrp="1"/>
           </p:cNvSpPr>
@@ -7316,6 +6580,7 @@
               <a:rPr lang="en-US" dirty="0"/>
               <a:t>The kernel executes privileged operations on behalf of untrusted user processes</a:t>
             </a:r>
+            <a:endParaRPr lang="en-US" dirty="0"/>
           </a:p>
           <a:p>
             <a:r>
@@ -7326,6 +6591,7 @@
               <a:rPr lang="en-US" b="1" dirty="0"/>
               <a:t>system calls</a:t>
             </a:r>
+            <a:endParaRPr lang="en-US" b="1" dirty="0"/>
           </a:p>
           <a:p>
             <a:endParaRPr lang="en-US" dirty="0"/>
@@ -7334,20 +6600,14 @@
       </p:sp>
       <p:pic>
         <p:nvPicPr>
-          <p:cNvPr id="4" name="Picture 3">
-            <a:extLst>
-              <a:ext uri="{FF2B5EF4-FFF2-40B4-BE49-F238E27FC236}">
-                <a16:creationId xmlns:a16="http://schemas.microsoft.com/office/drawing/2014/main" id="{5366D1BF-A83E-7D4A-983E-35E0F503E1F6}"/>
-              </a:ext>
-            </a:extLst>
-          </p:cNvPr>
+          <p:cNvPr id="4" name="Picture 3"/>
           <p:cNvPicPr>
             <a:picLocks noChangeAspect="1"/>
           </p:cNvPicPr>
           <p:nvPr/>
         </p:nvPicPr>
         <p:blipFill>
-          <a:blip r:embed="rId2" cstate="print">
+          <a:blip r:embed="rId1" cstate="print">
             <a:extLst>
               <a:ext uri="{28A0092B-C50C-407E-A947-70E740481C1C}">
                 <a14:useLocalDpi xmlns:a14="http://schemas.microsoft.com/office/drawing/2010/main" val="0"/>
@@ -7369,11 +6629,6 @@
         </p:spPr>
       </p:pic>
     </p:spTree>
-    <p:extLst>
-      <p:ext uri="{BB962C8B-B14F-4D97-AF65-F5344CB8AC3E}">
-        <p14:creationId xmlns:p14="http://schemas.microsoft.com/office/powerpoint/2010/main" val="24558876"/>
-      </p:ext>
-    </p:extLst>
   </p:cSld>
   <p:clrMapOvr>
     <a:masterClrMapping/>
@@ -7400,13 +6655,7 @@
       </p:grpSpPr>
       <p:sp>
         <p:nvSpPr>
-          <p:cNvPr id="2" name="Title 1">
-            <a:extLst>
-              <a:ext uri="{FF2B5EF4-FFF2-40B4-BE49-F238E27FC236}">
-                <a16:creationId xmlns:a16="http://schemas.microsoft.com/office/drawing/2014/main" id="{3FA0EE47-6956-E04C-B008-C7FE73627639}"/>
-              </a:ext>
-            </a:extLst>
-          </p:cNvPr>
+          <p:cNvPr id="2" name="Title 1"/>
           <p:cNvSpPr>
             <a:spLocks noGrp="1"/>
           </p:cNvSpPr>
@@ -7423,18 +6672,13 @@
               <a:rPr lang="en-US" dirty="0"/>
               <a:t>System Calls</a:t>
             </a:r>
-          </a:p>
-        </p:txBody>
-      </p:sp>
-      <p:sp>
-        <p:nvSpPr>
-          <p:cNvPr id="3" name="Text Placeholder 2">
-            <a:extLst>
-              <a:ext uri="{FF2B5EF4-FFF2-40B4-BE49-F238E27FC236}">
-                <a16:creationId xmlns:a16="http://schemas.microsoft.com/office/drawing/2014/main" id="{55E39813-5902-1E4E-B606-9115B4BF8599}"/>
-              </a:ext>
-            </a:extLst>
-          </p:cNvPr>
+            <a:endParaRPr lang="en-US" dirty="0"/>
+          </a:p>
+        </p:txBody>
+      </p:sp>
+      <p:sp>
+        <p:nvSpPr>
+          <p:cNvPr id="3" name="Text Placeholder 2"/>
           <p:cNvSpPr>
             <a:spLocks noGrp="1"/>
           </p:cNvSpPr>
@@ -7452,11 +6696,6 @@
         </p:txBody>
       </p:sp>
     </p:spTree>
-    <p:extLst>
-      <p:ext uri="{BB962C8B-B14F-4D97-AF65-F5344CB8AC3E}">
-        <p14:creationId xmlns:p14="http://schemas.microsoft.com/office/powerpoint/2010/main" val="3409235415"/>
-      </p:ext>
-    </p:extLst>
   </p:cSld>
   <p:clrMapOvr>
     <a:masterClrMapping/>
@@ -7507,7 +6746,7 @@
     </a:clrScheme>
     <a:fontScheme name="Office">
       <a:majorFont>
-        <a:latin typeface="Calibri Light" panose="020F0302020204030204"/>
+        <a:latin typeface="Calibri Light"/>
         <a:ea typeface=""/>
         <a:cs typeface=""/>
         <a:font script="Jpan" typeface="游ゴシック Light"/>
@@ -7540,26 +6779,9 @@
         <a:font script="Viet" typeface="Times New Roman"/>
         <a:font script="Uigh" typeface="Microsoft Uighur"/>
         <a:font script="Geor" typeface="Sylfaen"/>
-        <a:font script="Armn" typeface="Arial"/>
-        <a:font script="Bugi" typeface="Leelawadee UI"/>
-        <a:font script="Bopo" typeface="Microsoft JhengHei"/>
-        <a:font script="Java" typeface="Javanese Text"/>
-        <a:font script="Lisu" typeface="Segoe UI"/>
-        <a:font script="Mymr" typeface="Myanmar Text"/>
-        <a:font script="Nkoo" typeface="Ebrima"/>
-        <a:font script="Olck" typeface="Nirmala UI"/>
-        <a:font script="Osma" typeface="Ebrima"/>
-        <a:font script="Phag" typeface="Phagspa"/>
-        <a:font script="Syrn" typeface="Estrangelo Edessa"/>
-        <a:font script="Syrj" typeface="Estrangelo Edessa"/>
-        <a:font script="Syre" typeface="Estrangelo Edessa"/>
-        <a:font script="Sora" typeface="Nirmala UI"/>
-        <a:font script="Tale" typeface="Microsoft Tai Le"/>
-        <a:font script="Talu" typeface="Microsoft New Tai Lue"/>
-        <a:font script="Tfng" typeface="Ebrima"/>
       </a:majorFont>
       <a:minorFont>
-        <a:latin typeface="Calibri" panose="020F0502020204030204"/>
+        <a:latin typeface="Calibri"/>
         <a:ea typeface=""/>
         <a:cs typeface=""/>
         <a:font script="Jpan" typeface="游ゴシック"/>
@@ -7592,23 +6814,6 @@
         <a:font script="Viet" typeface="Arial"/>
         <a:font script="Uigh" typeface="Microsoft Uighur"/>
         <a:font script="Geor" typeface="Sylfaen"/>
-        <a:font script="Armn" typeface="Arial"/>
-        <a:font script="Bugi" typeface="Leelawadee UI"/>
-        <a:font script="Bopo" typeface="Microsoft JhengHei"/>
-        <a:font script="Java" typeface="Javanese Text"/>
-        <a:font script="Lisu" typeface="Segoe UI"/>
-        <a:font script="Mymr" typeface="Myanmar Text"/>
-        <a:font script="Nkoo" typeface="Ebrima"/>
-        <a:font script="Olck" typeface="Nirmala UI"/>
-        <a:font script="Osma" typeface="Ebrima"/>
-        <a:font script="Phag" typeface="Phagspa"/>
-        <a:font script="Syrn" typeface="Estrangelo Edessa"/>
-        <a:font script="Syrj" typeface="Estrangelo Edessa"/>
-        <a:font script="Syre" typeface="Estrangelo Edessa"/>
-        <a:font script="Sora" typeface="Nirmala UI"/>
-        <a:font script="Tale" typeface="Microsoft Tai Le"/>
-        <a:font script="Talu" typeface="Microsoft New Tai Lue"/>
-        <a:font script="Tfng" typeface="Ebrima"/>
       </a:minorFont>
     </a:fontScheme>
     <a:fmtScheme name="Office">
@@ -7749,8 +6954,6 @@
       </a:bgFillStyleLst>
     </a:fmtScheme>
   </a:themeElements>
-  <a:objectDefaults/>
-  <a:extraClrSchemeLst/>
   <a:extLst>
     <a:ext uri="{05A4C25C-085E-4340-85A3-A5531E510DB2}">
       <thm15:themeFamily xmlns:thm15="http://schemas.microsoft.com/office/thememl/2012/main" name="Office Theme" id="{62F939B6-93AF-4DB8-9C6B-D6C7DFDC589F}" vid="{4A3C46E8-61CC-4603-A589-7422A47A8E4A}"/>
@@ -7802,7 +7005,7 @@
     </a:clrScheme>
     <a:fontScheme name="Office">
       <a:majorFont>
-        <a:latin typeface="Calibri Light" panose="020F0302020204030204"/>
+        <a:latin typeface="Calibri Light"/>
         <a:ea typeface=""/>
         <a:cs typeface=""/>
         <a:font script="Jpan" typeface="游ゴシック Light"/>
@@ -7835,26 +7038,9 @@
         <a:font script="Viet" typeface="Times New Roman"/>
         <a:font script="Uigh" typeface="Microsoft Uighur"/>
         <a:font script="Geor" typeface="Sylfaen"/>
-        <a:font script="Armn" typeface="Arial"/>
-        <a:font script="Bugi" typeface="Leelawadee UI"/>
-        <a:font script="Bopo" typeface="Microsoft JhengHei"/>
-        <a:font script="Java" typeface="Javanese Text"/>
-        <a:font script="Lisu" typeface="Segoe UI"/>
-        <a:font script="Mymr" typeface="Myanmar Text"/>
-        <a:font script="Nkoo" typeface="Ebrima"/>
-        <a:font script="Olck" typeface="Nirmala UI"/>
-        <a:font script="Osma" typeface="Ebrima"/>
-        <a:font script="Phag" typeface="Phagspa"/>
-        <a:font script="Syrn" typeface="Estrangelo Edessa"/>
-        <a:font script="Syrj" typeface="Estrangelo Edessa"/>
-        <a:font script="Syre" typeface="Estrangelo Edessa"/>
-        <a:font script="Sora" typeface="Nirmala UI"/>
-        <a:font script="Tale" typeface="Microsoft Tai Le"/>
-        <a:font script="Talu" typeface="Microsoft New Tai Lue"/>
-        <a:font script="Tfng" typeface="Ebrima"/>
       </a:majorFont>
       <a:minorFont>
-        <a:latin typeface="Calibri" panose="020F0502020204030204"/>
+        <a:latin typeface="Calibri"/>
         <a:ea typeface=""/>
         <a:cs typeface=""/>
         <a:font script="Jpan" typeface="游ゴシック"/>
@@ -7887,23 +7073,6 @@
         <a:font script="Viet" typeface="Arial"/>
         <a:font script="Uigh" typeface="Microsoft Uighur"/>
         <a:font script="Geor" typeface="Sylfaen"/>
-        <a:font script="Armn" typeface="Arial"/>
-        <a:font script="Bugi" typeface="Leelawadee UI"/>
-        <a:font script="Bopo" typeface="Microsoft JhengHei"/>
-        <a:font script="Java" typeface="Javanese Text"/>
-        <a:font script="Lisu" typeface="Segoe UI"/>
-        <a:font script="Mymr" typeface="Myanmar Text"/>
-        <a:font script="Nkoo" typeface="Ebrima"/>
-        <a:font script="Olck" typeface="Nirmala UI"/>
-        <a:font script="Osma" typeface="Ebrima"/>
-        <a:font script="Phag" typeface="Phagspa"/>
-        <a:font script="Syrn" typeface="Estrangelo Edessa"/>
-        <a:font script="Syrj" typeface="Estrangelo Edessa"/>
-        <a:font script="Syre" typeface="Estrangelo Edessa"/>
-        <a:font script="Sora" typeface="Nirmala UI"/>
-        <a:font script="Tale" typeface="Microsoft Tai Le"/>
-        <a:font script="Talu" typeface="Microsoft New Tai Lue"/>
-        <a:font script="Tfng" typeface="Ebrima"/>
       </a:minorFont>
     </a:fontScheme>
     <a:fmtScheme name="Office">
@@ -8044,8 +7213,6 @@
       </a:bgFillStyleLst>
     </a:fmtScheme>
   </a:themeElements>
-  <a:objectDefaults/>
-  <a:extraClrSchemeLst/>
   <a:extLst>
     <a:ext uri="{05A4C25C-085E-4340-85A3-A5531E510DB2}">
       <thm15:themeFamily xmlns:thm15="http://schemas.microsoft.com/office/thememl/2012/main" name="Office Theme" id="{62F939B6-93AF-4DB8-9C6B-D6C7DFDC589F}" vid="{4A3C46E8-61CC-4603-A589-7422A47A8E4A}"/>
